--- a/2 am/بناء المشاريع 2/تقديم سكراتش 1/cours 12/عرض الدرس.pptx
+++ b/2 am/بناء المشاريع 2/تقديم سكراتش 1/cours 12/عرض الدرس.pptx
@@ -5,14 +5,19 @@
     <p:sldMasterId id="2147483648" r:id="rId1"/>
   </p:sldMasterIdLst>
   <p:notesMasterIdLst>
-    <p:notesMasterId r:id="rId7"/>
+    <p:notesMasterId r:id="rId12"/>
   </p:notesMasterIdLst>
   <p:sldIdLst>
-    <p:sldId id="256" r:id="rId2"/>
-    <p:sldId id="257" r:id="rId3"/>
-    <p:sldId id="269" r:id="rId4"/>
-    <p:sldId id="268" r:id="rId5"/>
-    <p:sldId id="266" r:id="rId6"/>
+    <p:sldId id="257" r:id="rId2"/>
+    <p:sldId id="270" r:id="rId3"/>
+    <p:sldId id="271" r:id="rId4"/>
+    <p:sldId id="269" r:id="rId5"/>
+    <p:sldId id="272" r:id="rId6"/>
+    <p:sldId id="274" r:id="rId7"/>
+    <p:sldId id="273" r:id="rId8"/>
+    <p:sldId id="268" r:id="rId9"/>
+    <p:sldId id="275" r:id="rId10"/>
+    <p:sldId id="266" r:id="rId11"/>
   </p:sldIdLst>
   <p:sldSz cx="12192000" cy="6858000"/>
   <p:notesSz cx="6858000" cy="9144000"/>
@@ -201,7 +206,7 @@
           <a:p>
             <a:fld id="{04809ED0-CAD5-44E1-91E8-3616676F7223}" type="datetimeFigureOut">
               <a:rPr lang="fr-FR" smtClean="0"/>
-              <a:t>22/02/2025</a:t>
+              <a:t>11/04/2025</a:t>
             </a:fld>
             <a:endParaRPr lang="fr-FR"/>
           </a:p>
@@ -534,7 +539,7 @@
           <a:p>
             <a:fld id="{026C633B-D051-4BE3-A8CB-7736F551B52D}" type="slidenum">
               <a:rPr lang="fr-FR" smtClean="0"/>
-              <a:t>2</a:t>
+              <a:t>1</a:t>
             </a:fld>
             <a:endParaRPr lang="fr-FR"/>
           </a:p>
@@ -618,7 +623,175 @@
           <a:p>
             <a:fld id="{026C633B-D051-4BE3-A8CB-7736F551B52D}" type="slidenum">
               <a:rPr lang="fr-FR" smtClean="0"/>
+              <a:t>2</a:t>
+            </a:fld>
+            <a:endParaRPr lang="fr-FR"/>
+          </a:p>
+        </p:txBody>
+      </p:sp>
+    </p:spTree>
+    <p:extLst>
+      <p:ext uri="{BB962C8B-B14F-4D97-AF65-F5344CB8AC3E}">
+        <p14:creationId xmlns:p14="http://schemas.microsoft.com/office/powerpoint/2010/main" val="3849135810"/>
+      </p:ext>
+    </p:extLst>
+  </p:cSld>
+  <p:clrMapOvr>
+    <a:masterClrMapping/>
+  </p:clrMapOvr>
+</p:notes>
+</file>
+
+<file path=ppt/notesSlides/notesSlide3.xml><?xml version="1.0" encoding="utf-8"?>
+<p:notes xmlns:a="http://schemas.openxmlformats.org/drawingml/2006/main" xmlns:r="http://schemas.openxmlformats.org/officeDocument/2006/relationships" xmlns:p="http://schemas.openxmlformats.org/presentationml/2006/main">
+  <p:cSld>
+    <p:spTree>
+      <p:nvGrpSpPr>
+        <p:cNvPr id="1" name=""/>
+        <p:cNvGrpSpPr/>
+        <p:nvPr/>
+      </p:nvGrpSpPr>
+      <p:grpSpPr>
+        <a:xfrm>
+          <a:off x="0" y="0"/>
+          <a:ext cx="0" cy="0"/>
+          <a:chOff x="0" y="0"/>
+          <a:chExt cx="0" cy="0"/>
+        </a:xfrm>
+      </p:grpSpPr>
+      <p:sp>
+        <p:nvSpPr>
+          <p:cNvPr id="2" name="Espace réservé de l'image des diapositives 1"/>
+          <p:cNvSpPr>
+            <a:spLocks noGrp="1" noRot="1" noChangeAspect="1"/>
+          </p:cNvSpPr>
+          <p:nvPr>
+            <p:ph type="sldImg"/>
+          </p:nvPr>
+        </p:nvSpPr>
+        <p:spPr/>
+      </p:sp>
+      <p:sp>
+        <p:nvSpPr>
+          <p:cNvPr id="3" name="Espace réservé des commentaires 2"/>
+          <p:cNvSpPr>
+            <a:spLocks noGrp="1"/>
+          </p:cNvSpPr>
+          <p:nvPr>
+            <p:ph type="body" idx="1"/>
+          </p:nvPr>
+        </p:nvSpPr>
+        <p:spPr/>
+        <p:txBody>
+          <a:bodyPr/>
+          <a:lstStyle/>
+          <a:p>
+            <a:endParaRPr lang="fr-FR" dirty="0"/>
+          </a:p>
+        </p:txBody>
+      </p:sp>
+      <p:sp>
+        <p:nvSpPr>
+          <p:cNvPr id="4" name="Espace réservé du numéro de diapositive 3"/>
+          <p:cNvSpPr>
+            <a:spLocks noGrp="1"/>
+          </p:cNvSpPr>
+          <p:nvPr>
+            <p:ph type="sldNum" sz="quarter" idx="10"/>
+          </p:nvPr>
+        </p:nvSpPr>
+        <p:spPr/>
+        <p:txBody>
+          <a:bodyPr/>
+          <a:lstStyle/>
+          <a:p>
+            <a:fld id="{026C633B-D051-4BE3-A8CB-7736F551B52D}" type="slidenum">
+              <a:rPr lang="fr-FR" smtClean="0"/>
               <a:t>3</a:t>
+            </a:fld>
+            <a:endParaRPr lang="fr-FR"/>
+          </a:p>
+        </p:txBody>
+      </p:sp>
+    </p:spTree>
+    <p:extLst>
+      <p:ext uri="{BB962C8B-B14F-4D97-AF65-F5344CB8AC3E}">
+        <p14:creationId xmlns:p14="http://schemas.microsoft.com/office/powerpoint/2010/main" val="4165006375"/>
+      </p:ext>
+    </p:extLst>
+  </p:cSld>
+  <p:clrMapOvr>
+    <a:masterClrMapping/>
+  </p:clrMapOvr>
+</p:notes>
+</file>
+
+<file path=ppt/notesSlides/notesSlide4.xml><?xml version="1.0" encoding="utf-8"?>
+<p:notes xmlns:a="http://schemas.openxmlformats.org/drawingml/2006/main" xmlns:r="http://schemas.openxmlformats.org/officeDocument/2006/relationships" xmlns:p="http://schemas.openxmlformats.org/presentationml/2006/main">
+  <p:cSld>
+    <p:spTree>
+      <p:nvGrpSpPr>
+        <p:cNvPr id="1" name=""/>
+        <p:cNvGrpSpPr/>
+        <p:nvPr/>
+      </p:nvGrpSpPr>
+      <p:grpSpPr>
+        <a:xfrm>
+          <a:off x="0" y="0"/>
+          <a:ext cx="0" cy="0"/>
+          <a:chOff x="0" y="0"/>
+          <a:chExt cx="0" cy="0"/>
+        </a:xfrm>
+      </p:grpSpPr>
+      <p:sp>
+        <p:nvSpPr>
+          <p:cNvPr id="2" name="Espace réservé de l'image des diapositives 1"/>
+          <p:cNvSpPr>
+            <a:spLocks noGrp="1" noRot="1" noChangeAspect="1"/>
+          </p:cNvSpPr>
+          <p:nvPr>
+            <p:ph type="sldImg"/>
+          </p:nvPr>
+        </p:nvSpPr>
+        <p:spPr/>
+      </p:sp>
+      <p:sp>
+        <p:nvSpPr>
+          <p:cNvPr id="3" name="Espace réservé des commentaires 2"/>
+          <p:cNvSpPr>
+            <a:spLocks noGrp="1"/>
+          </p:cNvSpPr>
+          <p:nvPr>
+            <p:ph type="body" idx="1"/>
+          </p:nvPr>
+        </p:nvSpPr>
+        <p:spPr/>
+        <p:txBody>
+          <a:bodyPr/>
+          <a:lstStyle/>
+          <a:p>
+            <a:endParaRPr lang="fr-FR" dirty="0"/>
+          </a:p>
+        </p:txBody>
+      </p:sp>
+      <p:sp>
+        <p:nvSpPr>
+          <p:cNvPr id="4" name="Espace réservé du numéro de diapositive 3"/>
+          <p:cNvSpPr>
+            <a:spLocks noGrp="1"/>
+          </p:cNvSpPr>
+          <p:nvPr>
+            <p:ph type="sldNum" sz="quarter" idx="10"/>
+          </p:nvPr>
+        </p:nvSpPr>
+        <p:spPr/>
+        <p:txBody>
+          <a:bodyPr/>
+          <a:lstStyle/>
+          <a:p>
+            <a:fld id="{026C633B-D051-4BE3-A8CB-7736F551B52D}" type="slidenum">
+              <a:rPr lang="fr-FR" smtClean="0"/>
+              <a:t>4</a:t>
             </a:fld>
             <a:endParaRPr lang="fr-FR"/>
           </a:p>
@@ -628,6 +801,258 @@
     <p:extLst>
       <p:ext uri="{BB962C8B-B14F-4D97-AF65-F5344CB8AC3E}">
         <p14:creationId xmlns:p14="http://schemas.microsoft.com/office/powerpoint/2010/main" val="1267946293"/>
+      </p:ext>
+    </p:extLst>
+  </p:cSld>
+  <p:clrMapOvr>
+    <a:masterClrMapping/>
+  </p:clrMapOvr>
+</p:notes>
+</file>
+
+<file path=ppt/notesSlides/notesSlide5.xml><?xml version="1.0" encoding="utf-8"?>
+<p:notes xmlns:a="http://schemas.openxmlformats.org/drawingml/2006/main" xmlns:r="http://schemas.openxmlformats.org/officeDocument/2006/relationships" xmlns:p="http://schemas.openxmlformats.org/presentationml/2006/main">
+  <p:cSld>
+    <p:spTree>
+      <p:nvGrpSpPr>
+        <p:cNvPr id="1" name=""/>
+        <p:cNvGrpSpPr/>
+        <p:nvPr/>
+      </p:nvGrpSpPr>
+      <p:grpSpPr>
+        <a:xfrm>
+          <a:off x="0" y="0"/>
+          <a:ext cx="0" cy="0"/>
+          <a:chOff x="0" y="0"/>
+          <a:chExt cx="0" cy="0"/>
+        </a:xfrm>
+      </p:grpSpPr>
+      <p:sp>
+        <p:nvSpPr>
+          <p:cNvPr id="2" name="Espace réservé de l'image des diapositives 1"/>
+          <p:cNvSpPr>
+            <a:spLocks noGrp="1" noRot="1" noChangeAspect="1"/>
+          </p:cNvSpPr>
+          <p:nvPr>
+            <p:ph type="sldImg"/>
+          </p:nvPr>
+        </p:nvSpPr>
+        <p:spPr/>
+      </p:sp>
+      <p:sp>
+        <p:nvSpPr>
+          <p:cNvPr id="3" name="Espace réservé des commentaires 2"/>
+          <p:cNvSpPr>
+            <a:spLocks noGrp="1"/>
+          </p:cNvSpPr>
+          <p:nvPr>
+            <p:ph type="body" idx="1"/>
+          </p:nvPr>
+        </p:nvSpPr>
+        <p:spPr/>
+        <p:txBody>
+          <a:bodyPr/>
+          <a:lstStyle/>
+          <a:p>
+            <a:endParaRPr lang="fr-FR" dirty="0"/>
+          </a:p>
+        </p:txBody>
+      </p:sp>
+      <p:sp>
+        <p:nvSpPr>
+          <p:cNvPr id="4" name="Espace réservé du numéro de diapositive 3"/>
+          <p:cNvSpPr>
+            <a:spLocks noGrp="1"/>
+          </p:cNvSpPr>
+          <p:nvPr>
+            <p:ph type="sldNum" sz="quarter" idx="10"/>
+          </p:nvPr>
+        </p:nvSpPr>
+        <p:spPr/>
+        <p:txBody>
+          <a:bodyPr/>
+          <a:lstStyle/>
+          <a:p>
+            <a:fld id="{026C633B-D051-4BE3-A8CB-7736F551B52D}" type="slidenum">
+              <a:rPr lang="fr-FR" smtClean="0"/>
+              <a:t>5</a:t>
+            </a:fld>
+            <a:endParaRPr lang="fr-FR"/>
+          </a:p>
+        </p:txBody>
+      </p:sp>
+    </p:spTree>
+    <p:extLst>
+      <p:ext uri="{BB962C8B-B14F-4D97-AF65-F5344CB8AC3E}">
+        <p14:creationId xmlns:p14="http://schemas.microsoft.com/office/powerpoint/2010/main" val="442822157"/>
+      </p:ext>
+    </p:extLst>
+  </p:cSld>
+  <p:clrMapOvr>
+    <a:masterClrMapping/>
+  </p:clrMapOvr>
+</p:notes>
+</file>
+
+<file path=ppt/notesSlides/notesSlide6.xml><?xml version="1.0" encoding="utf-8"?>
+<p:notes xmlns:a="http://schemas.openxmlformats.org/drawingml/2006/main" xmlns:r="http://schemas.openxmlformats.org/officeDocument/2006/relationships" xmlns:p="http://schemas.openxmlformats.org/presentationml/2006/main">
+  <p:cSld>
+    <p:spTree>
+      <p:nvGrpSpPr>
+        <p:cNvPr id="1" name=""/>
+        <p:cNvGrpSpPr/>
+        <p:nvPr/>
+      </p:nvGrpSpPr>
+      <p:grpSpPr>
+        <a:xfrm>
+          <a:off x="0" y="0"/>
+          <a:ext cx="0" cy="0"/>
+          <a:chOff x="0" y="0"/>
+          <a:chExt cx="0" cy="0"/>
+        </a:xfrm>
+      </p:grpSpPr>
+      <p:sp>
+        <p:nvSpPr>
+          <p:cNvPr id="2" name="Espace réservé de l'image des diapositives 1"/>
+          <p:cNvSpPr>
+            <a:spLocks noGrp="1" noRot="1" noChangeAspect="1"/>
+          </p:cNvSpPr>
+          <p:nvPr>
+            <p:ph type="sldImg"/>
+          </p:nvPr>
+        </p:nvSpPr>
+        <p:spPr/>
+      </p:sp>
+      <p:sp>
+        <p:nvSpPr>
+          <p:cNvPr id="3" name="Espace réservé des commentaires 2"/>
+          <p:cNvSpPr>
+            <a:spLocks noGrp="1"/>
+          </p:cNvSpPr>
+          <p:nvPr>
+            <p:ph type="body" idx="1"/>
+          </p:nvPr>
+        </p:nvSpPr>
+        <p:spPr/>
+        <p:txBody>
+          <a:bodyPr/>
+          <a:lstStyle/>
+          <a:p>
+            <a:endParaRPr lang="fr-FR" dirty="0"/>
+          </a:p>
+        </p:txBody>
+      </p:sp>
+      <p:sp>
+        <p:nvSpPr>
+          <p:cNvPr id="4" name="Espace réservé du numéro de diapositive 3"/>
+          <p:cNvSpPr>
+            <a:spLocks noGrp="1"/>
+          </p:cNvSpPr>
+          <p:nvPr>
+            <p:ph type="sldNum" sz="quarter" idx="10"/>
+          </p:nvPr>
+        </p:nvSpPr>
+        <p:spPr/>
+        <p:txBody>
+          <a:bodyPr/>
+          <a:lstStyle/>
+          <a:p>
+            <a:fld id="{026C633B-D051-4BE3-A8CB-7736F551B52D}" type="slidenum">
+              <a:rPr lang="fr-FR" smtClean="0"/>
+              <a:t>6</a:t>
+            </a:fld>
+            <a:endParaRPr lang="fr-FR"/>
+          </a:p>
+        </p:txBody>
+      </p:sp>
+    </p:spTree>
+    <p:extLst>
+      <p:ext uri="{BB962C8B-B14F-4D97-AF65-F5344CB8AC3E}">
+        <p14:creationId xmlns:p14="http://schemas.microsoft.com/office/powerpoint/2010/main" val="4075321553"/>
+      </p:ext>
+    </p:extLst>
+  </p:cSld>
+  <p:clrMapOvr>
+    <a:masterClrMapping/>
+  </p:clrMapOvr>
+</p:notes>
+</file>
+
+<file path=ppt/notesSlides/notesSlide7.xml><?xml version="1.0" encoding="utf-8"?>
+<p:notes xmlns:a="http://schemas.openxmlformats.org/drawingml/2006/main" xmlns:r="http://schemas.openxmlformats.org/officeDocument/2006/relationships" xmlns:p="http://schemas.openxmlformats.org/presentationml/2006/main">
+  <p:cSld>
+    <p:spTree>
+      <p:nvGrpSpPr>
+        <p:cNvPr id="1" name=""/>
+        <p:cNvGrpSpPr/>
+        <p:nvPr/>
+      </p:nvGrpSpPr>
+      <p:grpSpPr>
+        <a:xfrm>
+          <a:off x="0" y="0"/>
+          <a:ext cx="0" cy="0"/>
+          <a:chOff x="0" y="0"/>
+          <a:chExt cx="0" cy="0"/>
+        </a:xfrm>
+      </p:grpSpPr>
+      <p:sp>
+        <p:nvSpPr>
+          <p:cNvPr id="2" name="Espace réservé de l'image des diapositives 1"/>
+          <p:cNvSpPr>
+            <a:spLocks noGrp="1" noRot="1" noChangeAspect="1"/>
+          </p:cNvSpPr>
+          <p:nvPr>
+            <p:ph type="sldImg"/>
+          </p:nvPr>
+        </p:nvSpPr>
+        <p:spPr/>
+      </p:sp>
+      <p:sp>
+        <p:nvSpPr>
+          <p:cNvPr id="3" name="Espace réservé des commentaires 2"/>
+          <p:cNvSpPr>
+            <a:spLocks noGrp="1"/>
+          </p:cNvSpPr>
+          <p:nvPr>
+            <p:ph type="body" idx="1"/>
+          </p:nvPr>
+        </p:nvSpPr>
+        <p:spPr/>
+        <p:txBody>
+          <a:bodyPr/>
+          <a:lstStyle/>
+          <a:p>
+            <a:endParaRPr lang="fr-FR" dirty="0"/>
+          </a:p>
+        </p:txBody>
+      </p:sp>
+      <p:sp>
+        <p:nvSpPr>
+          <p:cNvPr id="4" name="Espace réservé du numéro de diapositive 3"/>
+          <p:cNvSpPr>
+            <a:spLocks noGrp="1"/>
+          </p:cNvSpPr>
+          <p:nvPr>
+            <p:ph type="sldNum" sz="quarter" idx="10"/>
+          </p:nvPr>
+        </p:nvSpPr>
+        <p:spPr/>
+        <p:txBody>
+          <a:bodyPr/>
+          <a:lstStyle/>
+          <a:p>
+            <a:fld id="{026C633B-D051-4BE3-A8CB-7736F551B52D}" type="slidenum">
+              <a:rPr lang="fr-FR" smtClean="0"/>
+              <a:t>7</a:t>
+            </a:fld>
+            <a:endParaRPr lang="fr-FR"/>
+          </a:p>
+        </p:txBody>
+      </p:sp>
+    </p:spTree>
+    <p:extLst>
+      <p:ext uri="{BB962C8B-B14F-4D97-AF65-F5344CB8AC3E}">
+        <p14:creationId xmlns:p14="http://schemas.microsoft.com/office/powerpoint/2010/main" val="306948320"/>
       </p:ext>
     </p:extLst>
   </p:cSld>
@@ -768,7 +1193,7 @@
           <a:p>
             <a:fld id="{16B4F739-B7D4-4EFD-BF14-44542778AB9F}" type="datetimeFigureOut">
               <a:rPr lang="fr-FR" smtClean="0"/>
-              <a:t>22/02/2025</a:t>
+              <a:t>11/04/2025</a:t>
             </a:fld>
             <a:endParaRPr lang="fr-FR"/>
           </a:p>
@@ -938,7 +1363,7 @@
           <a:p>
             <a:fld id="{16B4F739-B7D4-4EFD-BF14-44542778AB9F}" type="datetimeFigureOut">
               <a:rPr lang="fr-FR" smtClean="0"/>
-              <a:t>22/02/2025</a:t>
+              <a:t>11/04/2025</a:t>
             </a:fld>
             <a:endParaRPr lang="fr-FR"/>
           </a:p>
@@ -1118,7 +1543,7 @@
           <a:p>
             <a:fld id="{16B4F739-B7D4-4EFD-BF14-44542778AB9F}" type="datetimeFigureOut">
               <a:rPr lang="fr-FR" smtClean="0"/>
-              <a:t>22/02/2025</a:t>
+              <a:t>11/04/2025</a:t>
             </a:fld>
             <a:endParaRPr lang="fr-FR"/>
           </a:p>
@@ -1288,7 +1713,7 @@
           <a:p>
             <a:fld id="{16B4F739-B7D4-4EFD-BF14-44542778AB9F}" type="datetimeFigureOut">
               <a:rPr lang="fr-FR" smtClean="0"/>
-              <a:t>22/02/2025</a:t>
+              <a:t>11/04/2025</a:t>
             </a:fld>
             <a:endParaRPr lang="fr-FR"/>
           </a:p>
@@ -1534,7 +1959,7 @@
           <a:p>
             <a:fld id="{16B4F739-B7D4-4EFD-BF14-44542778AB9F}" type="datetimeFigureOut">
               <a:rPr lang="fr-FR" smtClean="0"/>
-              <a:t>22/02/2025</a:t>
+              <a:t>11/04/2025</a:t>
             </a:fld>
             <a:endParaRPr lang="fr-FR"/>
           </a:p>
@@ -1766,7 +2191,7 @@
           <a:p>
             <a:fld id="{16B4F739-B7D4-4EFD-BF14-44542778AB9F}" type="datetimeFigureOut">
               <a:rPr lang="fr-FR" smtClean="0"/>
-              <a:t>22/02/2025</a:t>
+              <a:t>11/04/2025</a:t>
             </a:fld>
             <a:endParaRPr lang="fr-FR"/>
           </a:p>
@@ -2133,7 +2558,7 @@
           <a:p>
             <a:fld id="{16B4F739-B7D4-4EFD-BF14-44542778AB9F}" type="datetimeFigureOut">
               <a:rPr lang="fr-FR" smtClean="0"/>
-              <a:t>22/02/2025</a:t>
+              <a:t>11/04/2025</a:t>
             </a:fld>
             <a:endParaRPr lang="fr-FR"/>
           </a:p>
@@ -2251,7 +2676,7 @@
           <a:p>
             <a:fld id="{16B4F739-B7D4-4EFD-BF14-44542778AB9F}" type="datetimeFigureOut">
               <a:rPr lang="fr-FR" smtClean="0"/>
-              <a:t>22/02/2025</a:t>
+              <a:t>11/04/2025</a:t>
             </a:fld>
             <a:endParaRPr lang="fr-FR"/>
           </a:p>
@@ -2346,7 +2771,7 @@
           <a:p>
             <a:fld id="{16B4F739-B7D4-4EFD-BF14-44542778AB9F}" type="datetimeFigureOut">
               <a:rPr lang="fr-FR" smtClean="0"/>
-              <a:t>22/02/2025</a:t>
+              <a:t>11/04/2025</a:t>
             </a:fld>
             <a:endParaRPr lang="fr-FR"/>
           </a:p>
@@ -2623,7 +3048,7 @@
           <a:p>
             <a:fld id="{16B4F739-B7D4-4EFD-BF14-44542778AB9F}" type="datetimeFigureOut">
               <a:rPr lang="fr-FR" smtClean="0"/>
-              <a:t>22/02/2025</a:t>
+              <a:t>11/04/2025</a:t>
             </a:fld>
             <a:endParaRPr lang="fr-FR"/>
           </a:p>
@@ -2876,7 +3301,7 @@
           <a:p>
             <a:fld id="{16B4F739-B7D4-4EFD-BF14-44542778AB9F}" type="datetimeFigureOut">
               <a:rPr lang="fr-FR" smtClean="0"/>
-              <a:t>22/02/2025</a:t>
+              <a:t>11/04/2025</a:t>
             </a:fld>
             <a:endParaRPr lang="fr-FR"/>
           </a:p>
@@ -3119,7 +3544,7 @@
           <a:p>
             <a:fld id="{16B4F739-B7D4-4EFD-BF14-44542778AB9F}" type="datetimeFigureOut">
               <a:rPr lang="fr-FR" smtClean="0"/>
-              <a:t>22/02/2025</a:t>
+              <a:t>11/04/2025</a:t>
             </a:fld>
             <a:endParaRPr lang="fr-FR"/>
           </a:p>
@@ -3534,14 +3959,1095 @@
       </p:grpSpPr>
       <p:sp>
         <p:nvSpPr>
-          <p:cNvPr id="8" name="Rectangle 7"/>
+          <p:cNvPr id="4" name="Rectangle 3"/>
           <p:cNvSpPr/>
           <p:nvPr/>
         </p:nvSpPr>
         <p:spPr>
           <a:xfrm>
-            <a:off x="331305" y="294669"/>
-            <a:ext cx="11343860" cy="888000"/>
+            <a:off x="0" y="145774"/>
+            <a:ext cx="12191999" cy="729430"/>
+          </a:xfrm>
+          <a:prstGeom prst="rect">
+            <a:avLst/>
+          </a:prstGeom>
+        </p:spPr>
+        <p:txBody>
+          <a:bodyPr wrap="square">
+            <a:spAutoFit/>
+          </a:bodyPr>
+          <a:lstStyle/>
+          <a:p>
+            <a:pPr algn="ctr" rtl="1">
+              <a:lnSpc>
+                <a:spcPct val="115000"/>
+              </a:lnSpc>
+              <a:spcAft>
+                <a:spcPts val="1000"/>
+              </a:spcAft>
+            </a:pPr>
+            <a:r>
+              <a:rPr lang="ar-DZ" sz="3600" b="1" u="sng" dirty="0">
+                <a:solidFill>
+                  <a:srgbClr val="FF0000"/>
+                </a:solidFill>
+                <a:latin typeface="Calibri" panose="020F0502020204030204" pitchFamily="34" charset="0"/>
+                <a:ea typeface="Times New Roman" panose="02020603050405020304" pitchFamily="18" charset="0"/>
+                <a:cs typeface="Times New Roman" panose="02020603050405020304" pitchFamily="18" charset="0"/>
+              </a:rPr>
+              <a:t>الوضعية </a:t>
+            </a:r>
+            <a:r>
+              <a:rPr lang="ar-DZ" sz="3600" b="1" u="sng" dirty="0" err="1">
+                <a:solidFill>
+                  <a:srgbClr val="FF0000"/>
+                </a:solidFill>
+                <a:latin typeface="Calibri" panose="020F0502020204030204" pitchFamily="34" charset="0"/>
+                <a:ea typeface="Times New Roman" panose="02020603050405020304" pitchFamily="18" charset="0"/>
+                <a:cs typeface="Times New Roman" panose="02020603050405020304" pitchFamily="18" charset="0"/>
+              </a:rPr>
+              <a:t>الإنطلاقية</a:t>
+            </a:r>
+            <a:r>
+              <a:rPr lang="ar-DZ" sz="3600" b="1" u="sng" dirty="0">
+                <a:solidFill>
+                  <a:srgbClr val="FF0000"/>
+                </a:solidFill>
+                <a:latin typeface="Calibri" panose="020F0502020204030204" pitchFamily="34" charset="0"/>
+                <a:ea typeface="Times New Roman" panose="02020603050405020304" pitchFamily="18" charset="0"/>
+                <a:cs typeface="Times New Roman" panose="02020603050405020304" pitchFamily="18" charset="0"/>
+              </a:rPr>
+              <a:t> :</a:t>
+            </a:r>
+            <a:endParaRPr lang="fr-FR" sz="3600" b="1" dirty="0">
+              <a:effectLst/>
+              <a:latin typeface="Calibri" panose="020F0502020204030204" pitchFamily="34" charset="0"/>
+              <a:ea typeface="Times New Roman" panose="02020603050405020304" pitchFamily="18" charset="0"/>
+              <a:cs typeface="Arial" panose="020B0604020202020204" pitchFamily="34" charset="0"/>
+            </a:endParaRPr>
+          </a:p>
+        </p:txBody>
+      </p:sp>
+      <p:sp>
+        <p:nvSpPr>
+          <p:cNvPr id="3" name="Rectangle 2"/>
+          <p:cNvSpPr/>
+          <p:nvPr/>
+        </p:nvSpPr>
+        <p:spPr>
+          <a:xfrm>
+            <a:off x="463827" y="1111068"/>
+            <a:ext cx="11565784" cy="3046988"/>
+          </a:xfrm>
+          <a:prstGeom prst="rect">
+            <a:avLst/>
+          </a:prstGeom>
+        </p:spPr>
+        <p:txBody>
+          <a:bodyPr wrap="square">
+            <a:spAutoFit/>
+          </a:bodyPr>
+          <a:lstStyle/>
+          <a:p>
+            <a:pPr marL="457200" indent="-457200" algn="r" rtl="1">
+              <a:buFont typeface="Wingdings" panose="05000000000000000000" pitchFamily="2" charset="2"/>
+              <a:buChar char="Ø"/>
+            </a:pPr>
+            <a:r>
+              <a:rPr lang="ar-DZ" sz="3200" dirty="0"/>
+              <a:t>عندما شاهدنا الرسوم المتحركة في صغرنا كنا دائما نحاول رسمها على دفاترنا وكنا نتمنى لو كانت تتحرك و تصدر أصواتا. </a:t>
+            </a:r>
+          </a:p>
+          <a:p>
+            <a:pPr marL="457200" indent="-457200" algn="r" rtl="1">
+              <a:buFont typeface="Wingdings" panose="05000000000000000000" pitchFamily="2" charset="2"/>
+              <a:buChar char="Ø"/>
+            </a:pPr>
+            <a:r>
+              <a:rPr lang="ar-DZ" sz="3200" dirty="0"/>
+              <a:t>حاليا أصبح الحلم حقيقية و صار بإمكاننا ترجمة هذه الأمنيات بواسطة الحاسوب، وذلك باستخدام برنامج خاص بإنشاء الألعاب و الرسوم المتحركة. </a:t>
+            </a:r>
+            <a:endParaRPr lang="fr-FR" sz="3200" dirty="0" smtClean="0"/>
+          </a:p>
+          <a:p>
+            <a:pPr marL="457200" indent="-457200" algn="r" rtl="1">
+              <a:buFont typeface="Wingdings" panose="05000000000000000000" pitchFamily="2" charset="2"/>
+              <a:buChar char="Ø"/>
+            </a:pPr>
+            <a:endParaRPr lang="ar-DZ" sz="3200" dirty="0"/>
+          </a:p>
+          <a:p>
+            <a:pPr marL="457200" indent="-457200" algn="r" rtl="1">
+              <a:buFont typeface="Wingdings" panose="05000000000000000000" pitchFamily="2" charset="2"/>
+              <a:buChar char="Ø"/>
+            </a:pPr>
+            <a:r>
+              <a:rPr lang="ar-DZ" sz="3200" dirty="0"/>
+              <a:t>عرض مقطعي فيديو بعنوان "مقدمة في البرمجة" و "ما هي لغات البرمجة ؟" </a:t>
+            </a:r>
+          </a:p>
+        </p:txBody>
+      </p:sp>
+    </p:spTree>
+    <p:extLst>
+      <p:ext uri="{BB962C8B-B14F-4D97-AF65-F5344CB8AC3E}">
+        <p14:creationId xmlns:p14="http://schemas.microsoft.com/office/powerpoint/2010/main" val="2209839172"/>
+      </p:ext>
+    </p:extLst>
+  </p:cSld>
+  <p:clrMapOvr>
+    <a:masterClrMapping/>
+  </p:clrMapOvr>
+  <p:transition spd="slow">
+    <p:push dir="u"/>
+  </p:transition>
+  <p:timing>
+    <p:tnLst>
+      <p:par>
+        <p:cTn id="1" dur="indefinite" restart="never" nodeType="tmRoot"/>
+      </p:par>
+    </p:tnLst>
+  </p:timing>
+</p:sld>
+</file>
+
+<file path=ppt/slides/slide10.xml><?xml version="1.0" encoding="utf-8"?>
+<p:sld xmlns:a="http://schemas.openxmlformats.org/drawingml/2006/main" xmlns:r="http://schemas.openxmlformats.org/officeDocument/2006/relationships" xmlns:p="http://schemas.openxmlformats.org/presentationml/2006/main">
+  <p:cSld>
+    <p:bg>
+      <p:bgPr>
+        <a:solidFill>
+          <a:schemeClr val="bg1"/>
+        </a:solidFill>
+        <a:effectLst/>
+      </p:bgPr>
+    </p:bg>
+    <p:spTree>
+      <p:nvGrpSpPr>
+        <p:cNvPr id="1" name=""/>
+        <p:cNvGrpSpPr/>
+        <p:nvPr/>
+      </p:nvGrpSpPr>
+      <p:grpSpPr>
+        <a:xfrm>
+          <a:off x="0" y="0"/>
+          <a:ext cx="0" cy="0"/>
+          <a:chOff x="0" y="0"/>
+          <a:chExt cx="0" cy="0"/>
+        </a:xfrm>
+      </p:grpSpPr>
+      <p:sp>
+        <p:nvSpPr>
+          <p:cNvPr id="4" name="Rectangle 3"/>
+          <p:cNvSpPr/>
+          <p:nvPr/>
+        </p:nvSpPr>
+        <p:spPr>
+          <a:xfrm>
+            <a:off x="92765" y="-1622"/>
+            <a:ext cx="11859904" cy="769441"/>
+          </a:xfrm>
+          <a:prstGeom prst="rect">
+            <a:avLst/>
+          </a:prstGeom>
+        </p:spPr>
+        <p:txBody>
+          <a:bodyPr wrap="square">
+            <a:spAutoFit/>
+          </a:bodyPr>
+          <a:lstStyle/>
+          <a:p>
+            <a:pPr algn="r" rtl="1">
+              <a:spcAft>
+                <a:spcPts val="1000"/>
+              </a:spcAft>
+            </a:pPr>
+            <a:r>
+              <a:rPr lang="ar-DZ" sz="4400" b="1" u="sng" dirty="0" smtClean="0">
+                <a:solidFill>
+                  <a:srgbClr val="FF0000"/>
+                </a:solidFill>
+                <a:latin typeface="Calibri" panose="020F0502020204030204" pitchFamily="34" charset="0"/>
+                <a:ea typeface="Times New Roman" panose="02020603050405020304" pitchFamily="18" charset="0"/>
+                <a:cs typeface="Times New Roman" panose="02020603050405020304" pitchFamily="18" charset="0"/>
+              </a:rPr>
+              <a:t>تدريب :</a:t>
+            </a:r>
+          </a:p>
+        </p:txBody>
+      </p:sp>
+      <p:sp>
+        <p:nvSpPr>
+          <p:cNvPr id="6" name="Rectangle 5"/>
+          <p:cNvSpPr/>
+          <p:nvPr/>
+        </p:nvSpPr>
+        <p:spPr>
+          <a:xfrm>
+            <a:off x="317260" y="767819"/>
+            <a:ext cx="11635409" cy="5913157"/>
+          </a:xfrm>
+          <a:prstGeom prst="rect">
+            <a:avLst/>
+          </a:prstGeom>
+        </p:spPr>
+        <p:txBody>
+          <a:bodyPr wrap="square">
+            <a:spAutoFit/>
+          </a:bodyPr>
+          <a:lstStyle/>
+          <a:p>
+            <a:pPr marL="457200" indent="-457200" algn="r" rtl="1">
+              <a:lnSpc>
+                <a:spcPct val="150000"/>
+              </a:lnSpc>
+              <a:buFont typeface="Wingdings" panose="05000000000000000000" pitchFamily="2" charset="2"/>
+              <a:buChar char="Ø"/>
+            </a:pPr>
+            <a:r>
+              <a:rPr lang="ar-DZ" sz="3200" dirty="0" smtClean="0">
+                <a:cs typeface="+mj-cs"/>
+              </a:rPr>
+              <a:t>شغل </a:t>
+            </a:r>
+            <a:r>
+              <a:rPr lang="ar-DZ" sz="3200" dirty="0">
+                <a:cs typeface="+mj-cs"/>
+              </a:rPr>
+              <a:t>برنامج </a:t>
+            </a:r>
+            <a:r>
+              <a:rPr lang="ar-DZ" sz="3200" dirty="0" err="1">
+                <a:cs typeface="+mj-cs"/>
+              </a:rPr>
+              <a:t>سكراتش</a:t>
+            </a:r>
+            <a:r>
+              <a:rPr lang="ar-DZ" sz="3200" dirty="0">
+                <a:cs typeface="+mj-cs"/>
+              </a:rPr>
+              <a:t> بطريقة أخرى و تحقق من عناصر الواجهة. </a:t>
+            </a:r>
+          </a:p>
+          <a:p>
+            <a:pPr marL="457200" indent="-457200" algn="r" rtl="1">
+              <a:lnSpc>
+                <a:spcPct val="150000"/>
+              </a:lnSpc>
+              <a:buFont typeface="Wingdings" panose="05000000000000000000" pitchFamily="2" charset="2"/>
+              <a:buChar char="Ø"/>
+            </a:pPr>
+            <a:r>
+              <a:rPr lang="ar-DZ" sz="3200" dirty="0" smtClean="0">
+                <a:cs typeface="+mj-cs"/>
+              </a:rPr>
+              <a:t>أين </a:t>
+            </a:r>
+            <a:r>
+              <a:rPr lang="ar-DZ" sz="3200" dirty="0">
+                <a:cs typeface="+mj-cs"/>
+              </a:rPr>
+              <a:t>يتواجد كائن القط ؟ </a:t>
+            </a:r>
+          </a:p>
+          <a:p>
+            <a:pPr marL="457200" indent="-457200" algn="r" rtl="1">
+              <a:lnSpc>
+                <a:spcPct val="150000"/>
+              </a:lnSpc>
+              <a:buFont typeface="Wingdings" panose="05000000000000000000" pitchFamily="2" charset="2"/>
+              <a:buChar char="Ø"/>
+            </a:pPr>
+            <a:r>
+              <a:rPr lang="ar-DZ" sz="3200" dirty="0" smtClean="0">
+                <a:cs typeface="+mj-cs"/>
+              </a:rPr>
+              <a:t>لنحاول </a:t>
+            </a:r>
+            <a:r>
+              <a:rPr lang="ar-DZ" sz="3200" dirty="0">
+                <a:cs typeface="+mj-cs"/>
+              </a:rPr>
+              <a:t>تغيير مكان الكائن، ماذا تلاحظ في منطقة الكائنات ؟ </a:t>
+            </a:r>
+          </a:p>
+          <a:p>
+            <a:pPr marL="457200" indent="-457200" algn="r" rtl="1">
+              <a:lnSpc>
+                <a:spcPct val="150000"/>
+              </a:lnSpc>
+              <a:buFont typeface="Wingdings" panose="05000000000000000000" pitchFamily="2" charset="2"/>
+              <a:buChar char="Ø"/>
+            </a:pPr>
+            <a:r>
+              <a:rPr lang="ar-DZ" sz="3200" dirty="0" smtClean="0">
+                <a:cs typeface="+mj-cs"/>
+              </a:rPr>
+              <a:t>كيف نسمي </a:t>
+            </a:r>
+            <a:r>
+              <a:rPr lang="fr-FR" sz="3200" dirty="0" smtClean="0">
+                <a:cs typeface="+mj-cs"/>
+              </a:rPr>
+              <a:t>x </a:t>
+            </a:r>
+            <a:r>
+              <a:rPr lang="ar-DZ" sz="3200" dirty="0" smtClean="0">
+                <a:cs typeface="+mj-cs"/>
+              </a:rPr>
+              <a:t> و</a:t>
+            </a:r>
+            <a:r>
+              <a:rPr lang="fr-FR" sz="3200" dirty="0" smtClean="0">
+                <a:cs typeface="+mj-cs"/>
+              </a:rPr>
+              <a:t>y </a:t>
+            </a:r>
+            <a:r>
+              <a:rPr lang="ar-DZ" sz="3200" dirty="0" smtClean="0">
+                <a:cs typeface="+mj-cs"/>
+              </a:rPr>
+              <a:t> </a:t>
+            </a:r>
+            <a:r>
+              <a:rPr lang="fr-FR" sz="3200" dirty="0" smtClean="0">
+                <a:cs typeface="+mj-cs"/>
+              </a:rPr>
+              <a:t>؟ </a:t>
+            </a:r>
+            <a:r>
+              <a:rPr lang="ar-DZ" sz="3200" dirty="0">
+                <a:cs typeface="+mj-cs"/>
+              </a:rPr>
+              <a:t>ما دورها ؟ </a:t>
+            </a:r>
+          </a:p>
+          <a:p>
+            <a:pPr marL="457200" indent="-457200" algn="r" rtl="1">
+              <a:lnSpc>
+                <a:spcPct val="150000"/>
+              </a:lnSpc>
+              <a:buFont typeface="Wingdings" panose="05000000000000000000" pitchFamily="2" charset="2"/>
+              <a:buChar char="Ø"/>
+            </a:pPr>
+            <a:r>
+              <a:rPr lang="ar-DZ" sz="3200" dirty="0" smtClean="0">
+                <a:cs typeface="+mj-cs"/>
+              </a:rPr>
+              <a:t>كيف </a:t>
+            </a:r>
+            <a:r>
+              <a:rPr lang="ar-DZ" sz="3200" dirty="0">
+                <a:cs typeface="+mj-cs"/>
+              </a:rPr>
+              <a:t>يمكننا تغيير الاسم، تغيير الحجم وحذف الكائن ؟ </a:t>
+            </a:r>
+          </a:p>
+          <a:p>
+            <a:pPr marL="457200" indent="-457200" algn="r" rtl="1">
+              <a:lnSpc>
+                <a:spcPct val="150000"/>
+              </a:lnSpc>
+              <a:buFont typeface="Wingdings" panose="05000000000000000000" pitchFamily="2" charset="2"/>
+              <a:buChar char="Ø"/>
+            </a:pPr>
+            <a:r>
+              <a:rPr lang="ar-DZ" sz="3200" dirty="0" smtClean="0">
+                <a:cs typeface="+mj-cs"/>
+              </a:rPr>
+              <a:t>برأيكم </a:t>
+            </a:r>
+            <a:r>
+              <a:rPr lang="ar-DZ" sz="3200" dirty="0">
+                <a:cs typeface="+mj-cs"/>
+              </a:rPr>
+              <a:t>كيف يمكننا إضافة كائن جديد ؟ </a:t>
+            </a:r>
+          </a:p>
+          <a:p>
+            <a:pPr marL="457200" indent="-457200" algn="r" rtl="1">
+              <a:lnSpc>
+                <a:spcPct val="150000"/>
+              </a:lnSpc>
+              <a:buFont typeface="Wingdings" panose="05000000000000000000" pitchFamily="2" charset="2"/>
+              <a:buChar char="Ø"/>
+            </a:pPr>
+            <a:r>
+              <a:rPr lang="ar-DZ" sz="3200" dirty="0" smtClean="0">
+                <a:cs typeface="+mj-cs"/>
+              </a:rPr>
+              <a:t>لنضع </a:t>
+            </a:r>
+            <a:r>
+              <a:rPr lang="ar-DZ" sz="3200" dirty="0">
+                <a:cs typeface="+mj-cs"/>
+              </a:rPr>
+              <a:t>مؤشر الفأرة على هذا </a:t>
+            </a:r>
+            <a:r>
+              <a:rPr lang="ar-DZ" sz="3200" dirty="0" smtClean="0">
+                <a:cs typeface="+mj-cs"/>
+              </a:rPr>
+              <a:t>الزر        ثم </a:t>
+            </a:r>
+            <a:r>
+              <a:rPr lang="ar-DZ" sz="3200" dirty="0">
+                <a:cs typeface="+mj-cs"/>
+              </a:rPr>
+              <a:t>لنبحث عن مختلف طرق إضافة كائن </a:t>
+            </a:r>
+          </a:p>
+          <a:p>
+            <a:pPr marL="457200" indent="-457200" algn="r" rtl="1">
+              <a:lnSpc>
+                <a:spcPct val="150000"/>
+              </a:lnSpc>
+              <a:buFont typeface="Wingdings" panose="05000000000000000000" pitchFamily="2" charset="2"/>
+              <a:buChar char="Ø"/>
+            </a:pPr>
+            <a:r>
+              <a:rPr lang="ar-DZ" sz="3200" dirty="0" smtClean="0">
+                <a:cs typeface="+mj-cs"/>
+              </a:rPr>
+              <a:t>ما </a:t>
+            </a:r>
+            <a:r>
+              <a:rPr lang="ar-DZ" sz="3200" dirty="0">
+                <a:cs typeface="+mj-cs"/>
+              </a:rPr>
+              <a:t>دور الأزرار </a:t>
+            </a:r>
+            <a:r>
+              <a:rPr lang="ar-DZ" sz="3200" dirty="0" smtClean="0">
+                <a:cs typeface="+mj-cs"/>
+              </a:rPr>
+              <a:t>التالية                   </a:t>
+            </a:r>
+            <a:r>
+              <a:rPr lang="ar-DZ" sz="3200" dirty="0">
+                <a:cs typeface="+mj-cs"/>
+              </a:rPr>
+              <a:t>؟ </a:t>
+            </a:r>
+          </a:p>
+        </p:txBody>
+      </p:sp>
+      <p:pic>
+        <p:nvPicPr>
+          <p:cNvPr id="7" name="Image 6"/>
+          <p:cNvPicPr>
+            <a:picLocks noChangeAspect="1"/>
+          </p:cNvPicPr>
+          <p:nvPr/>
+        </p:nvPicPr>
+        <p:blipFill>
+          <a:blip r:embed="rId3">
+            <a:extLst>
+              <a:ext uri="{28A0092B-C50C-407E-A947-70E740481C1C}">
+                <a14:useLocalDpi xmlns:a14="http://schemas.microsoft.com/office/drawing/2010/main" val="0"/>
+              </a:ext>
+            </a:extLst>
+          </a:blip>
+          <a:stretch>
+            <a:fillRect/>
+          </a:stretch>
+        </p:blipFill>
+        <p:spPr>
+          <a:xfrm>
+            <a:off x="6496211" y="5300144"/>
+            <a:ext cx="657317" cy="543001"/>
+          </a:xfrm>
+          <a:prstGeom prst="rect">
+            <a:avLst/>
+          </a:prstGeom>
+        </p:spPr>
+      </p:pic>
+      <p:pic>
+        <p:nvPicPr>
+          <p:cNvPr id="8" name="Image 7"/>
+          <p:cNvPicPr>
+            <a:picLocks noChangeAspect="1"/>
+          </p:cNvPicPr>
+          <p:nvPr/>
+        </p:nvPicPr>
+        <p:blipFill>
+          <a:blip r:embed="rId4">
+            <a:extLst>
+              <a:ext uri="{28A0092B-C50C-407E-A947-70E740481C1C}">
+                <a14:useLocalDpi xmlns:a14="http://schemas.microsoft.com/office/drawing/2010/main" val="0"/>
+              </a:ext>
+            </a:extLst>
+          </a:blip>
+          <a:stretch>
+            <a:fillRect/>
+          </a:stretch>
+        </p:blipFill>
+        <p:spPr>
+          <a:xfrm>
+            <a:off x="6824869" y="6008007"/>
+            <a:ext cx="1703815" cy="604579"/>
+          </a:xfrm>
+          <a:prstGeom prst="rect">
+            <a:avLst/>
+          </a:prstGeom>
+        </p:spPr>
+      </p:pic>
+    </p:spTree>
+    <p:extLst>
+      <p:ext uri="{BB962C8B-B14F-4D97-AF65-F5344CB8AC3E}">
+        <p14:creationId xmlns:p14="http://schemas.microsoft.com/office/powerpoint/2010/main" val="1483634635"/>
+      </p:ext>
+    </p:extLst>
+  </p:cSld>
+  <p:clrMapOvr>
+    <a:masterClrMapping/>
+  </p:clrMapOvr>
+  <p:timing>
+    <p:tnLst>
+      <p:par>
+        <p:cTn id="1" dur="indefinite" restart="never" nodeType="tmRoot"/>
+      </p:par>
+    </p:tnLst>
+  </p:timing>
+</p:sld>
+</file>
+
+<file path=ppt/slides/slide2.xml><?xml version="1.0" encoding="utf-8"?>
+<p:sld xmlns:a="http://schemas.openxmlformats.org/drawingml/2006/main" xmlns:r="http://schemas.openxmlformats.org/officeDocument/2006/relationships" xmlns:p="http://schemas.openxmlformats.org/presentationml/2006/main">
+  <p:cSld>
+    <p:bg>
+      <p:bgPr>
+        <a:solidFill>
+          <a:schemeClr val="bg1"/>
+        </a:solidFill>
+        <a:effectLst/>
+      </p:bgPr>
+    </p:bg>
+    <p:spTree>
+      <p:nvGrpSpPr>
+        <p:cNvPr id="1" name=""/>
+        <p:cNvGrpSpPr/>
+        <p:nvPr/>
+      </p:nvGrpSpPr>
+      <p:grpSpPr>
+        <a:xfrm>
+          <a:off x="0" y="0"/>
+          <a:ext cx="0" cy="0"/>
+          <a:chOff x="0" y="0"/>
+          <a:chExt cx="0" cy="0"/>
+        </a:xfrm>
+      </p:grpSpPr>
+      <p:sp>
+        <p:nvSpPr>
+          <p:cNvPr id="4" name="Rectangle 3"/>
+          <p:cNvSpPr/>
+          <p:nvPr/>
+        </p:nvSpPr>
+        <p:spPr>
+          <a:xfrm>
+            <a:off x="0" y="145774"/>
+            <a:ext cx="12191999" cy="729430"/>
+          </a:xfrm>
+          <a:prstGeom prst="rect">
+            <a:avLst/>
+          </a:prstGeom>
+        </p:spPr>
+        <p:txBody>
+          <a:bodyPr wrap="square">
+            <a:spAutoFit/>
+          </a:bodyPr>
+          <a:lstStyle/>
+          <a:p>
+            <a:pPr algn="ctr" rtl="1">
+              <a:lnSpc>
+                <a:spcPct val="115000"/>
+              </a:lnSpc>
+              <a:spcAft>
+                <a:spcPts val="1000"/>
+              </a:spcAft>
+            </a:pPr>
+            <a:r>
+              <a:rPr lang="ar-DZ" sz="3600" b="1" u="sng" dirty="0">
+                <a:solidFill>
+                  <a:srgbClr val="FF0000"/>
+                </a:solidFill>
+                <a:latin typeface="Calibri" panose="020F0502020204030204" pitchFamily="34" charset="0"/>
+                <a:ea typeface="Times New Roman" panose="02020603050405020304" pitchFamily="18" charset="0"/>
+                <a:cs typeface="Times New Roman" panose="02020603050405020304" pitchFamily="18" charset="0"/>
+              </a:rPr>
+              <a:t>الوضعية </a:t>
+            </a:r>
+            <a:r>
+              <a:rPr lang="ar-DZ" sz="3600" b="1" u="sng" dirty="0" err="1">
+                <a:solidFill>
+                  <a:srgbClr val="FF0000"/>
+                </a:solidFill>
+                <a:latin typeface="Calibri" panose="020F0502020204030204" pitchFamily="34" charset="0"/>
+                <a:ea typeface="Times New Roman" panose="02020603050405020304" pitchFamily="18" charset="0"/>
+                <a:cs typeface="Times New Roman" panose="02020603050405020304" pitchFamily="18" charset="0"/>
+              </a:rPr>
+              <a:t>الإنطلاقية</a:t>
+            </a:r>
+            <a:r>
+              <a:rPr lang="ar-DZ" sz="3600" b="1" u="sng" dirty="0">
+                <a:solidFill>
+                  <a:srgbClr val="FF0000"/>
+                </a:solidFill>
+                <a:latin typeface="Calibri" panose="020F0502020204030204" pitchFamily="34" charset="0"/>
+                <a:ea typeface="Times New Roman" panose="02020603050405020304" pitchFamily="18" charset="0"/>
+                <a:cs typeface="Times New Roman" panose="02020603050405020304" pitchFamily="18" charset="0"/>
+              </a:rPr>
+              <a:t> :</a:t>
+            </a:r>
+            <a:endParaRPr lang="fr-FR" sz="3600" b="1" dirty="0">
+              <a:effectLst/>
+              <a:latin typeface="Calibri" panose="020F0502020204030204" pitchFamily="34" charset="0"/>
+              <a:ea typeface="Times New Roman" panose="02020603050405020304" pitchFamily="18" charset="0"/>
+              <a:cs typeface="Arial" panose="020B0604020202020204" pitchFamily="34" charset="0"/>
+            </a:endParaRPr>
+          </a:p>
+        </p:txBody>
+      </p:sp>
+      <p:sp>
+        <p:nvSpPr>
+          <p:cNvPr id="3" name="Rectangle 2"/>
+          <p:cNvSpPr/>
+          <p:nvPr/>
+        </p:nvSpPr>
+        <p:spPr>
+          <a:xfrm>
+            <a:off x="437322" y="875204"/>
+            <a:ext cx="11565784" cy="5509200"/>
+          </a:xfrm>
+          <a:prstGeom prst="rect">
+            <a:avLst/>
+          </a:prstGeom>
+        </p:spPr>
+        <p:txBody>
+          <a:bodyPr wrap="square">
+            <a:spAutoFit/>
+          </a:bodyPr>
+          <a:lstStyle/>
+          <a:p>
+            <a:pPr marL="457200" indent="-457200" algn="r" rtl="1">
+              <a:buFont typeface="Wingdings" panose="05000000000000000000" pitchFamily="2" charset="2"/>
+              <a:buChar char="Ø"/>
+            </a:pPr>
+            <a:r>
+              <a:rPr lang="ar-DZ" sz="3200" u="sng" dirty="0" smtClean="0"/>
+              <a:t>ما معني البرمجة ؟</a:t>
+            </a:r>
+          </a:p>
+          <a:p>
+            <a:pPr algn="r" rtl="1"/>
+            <a:endParaRPr lang="fr-FR" sz="3200" u="sng" dirty="0" smtClean="0"/>
+          </a:p>
+          <a:p>
+            <a:pPr algn="r" rtl="1"/>
+            <a:r>
+              <a:rPr lang="ar-DZ" sz="3200" b="1" dirty="0"/>
+              <a:t>البرمجة</a:t>
+            </a:r>
+            <a:r>
+              <a:rPr lang="ar-DZ" sz="3200" dirty="0"/>
+              <a:t> هي عملية كتابة تعليمات وأوامر بلغة يفهمها الحاسوب، بهدف تنفيذ مهام معيّنة.</a:t>
+            </a:r>
+          </a:p>
+          <a:p>
+            <a:pPr algn="r" rtl="1"/>
+            <a:r>
+              <a:rPr lang="fr-FR" sz="3200" dirty="0"/>
+              <a:t>🔸 </a:t>
+            </a:r>
+            <a:r>
+              <a:rPr lang="ar-DZ" sz="3200" dirty="0"/>
+              <a:t>مثلاً: لما تكتب برنامج يحسب مجموع عددين، فأنت تعطي الحاسوب خطوات دقيقة يقول فيها مثلاً:</a:t>
+            </a:r>
+          </a:p>
+          <a:p>
+            <a:pPr algn="r" rtl="1"/>
+            <a:r>
+              <a:rPr lang="ar-DZ" sz="3200" dirty="0"/>
+              <a:t>خذ الرقم الأول</a:t>
+            </a:r>
+          </a:p>
+          <a:p>
+            <a:pPr algn="r" rtl="1"/>
+            <a:r>
+              <a:rPr lang="ar-DZ" sz="3200" dirty="0"/>
+              <a:t>خذ الرقم الثاني</a:t>
+            </a:r>
+          </a:p>
+          <a:p>
+            <a:pPr algn="r" rtl="1"/>
+            <a:r>
+              <a:rPr lang="ar-DZ" sz="3200" dirty="0"/>
+              <a:t>اجمعهم</a:t>
+            </a:r>
+          </a:p>
+          <a:p>
+            <a:pPr algn="r" rtl="1"/>
+            <a:r>
+              <a:rPr lang="ar-DZ" sz="3200" dirty="0"/>
+              <a:t>أعطني </a:t>
+            </a:r>
+            <a:r>
+              <a:rPr lang="ar-DZ" sz="3200" dirty="0" smtClean="0"/>
+              <a:t>النتيجة</a:t>
+            </a:r>
+          </a:p>
+          <a:p>
+            <a:pPr algn="r" rtl="1"/>
+            <a:endParaRPr lang="ar-DZ" sz="3200" dirty="0"/>
+          </a:p>
+          <a:p>
+            <a:pPr algn="r" rtl="1"/>
+            <a:r>
+              <a:rPr lang="fr-FR" sz="3200" dirty="0"/>
+              <a:t>✨ </a:t>
+            </a:r>
+            <a:r>
+              <a:rPr lang="ar-DZ" sz="3200" dirty="0"/>
+              <a:t>البرمجة = </a:t>
+            </a:r>
+            <a:r>
+              <a:rPr lang="ar-DZ" sz="3200" b="1" dirty="0"/>
+              <a:t>كتابة وصف تفصيلي لما تريده من الحاسوب أن يفعله.</a:t>
+            </a:r>
+            <a:endParaRPr lang="ar-DZ" sz="3200" dirty="0"/>
+          </a:p>
+        </p:txBody>
+      </p:sp>
+    </p:spTree>
+    <p:extLst>
+      <p:ext uri="{BB962C8B-B14F-4D97-AF65-F5344CB8AC3E}">
+        <p14:creationId xmlns:p14="http://schemas.microsoft.com/office/powerpoint/2010/main" val="1079832562"/>
+      </p:ext>
+    </p:extLst>
+  </p:cSld>
+  <p:clrMapOvr>
+    <a:masterClrMapping/>
+  </p:clrMapOvr>
+  <p:transition spd="slow">
+    <p:push dir="u"/>
+  </p:transition>
+  <p:timing>
+    <p:tnLst>
+      <p:par>
+        <p:cTn id="1" dur="indefinite" restart="never" nodeType="tmRoot"/>
+      </p:par>
+    </p:tnLst>
+  </p:timing>
+</p:sld>
+</file>
+
+<file path=ppt/slides/slide3.xml><?xml version="1.0" encoding="utf-8"?>
+<p:sld xmlns:a="http://schemas.openxmlformats.org/drawingml/2006/main" xmlns:r="http://schemas.openxmlformats.org/officeDocument/2006/relationships" xmlns:p="http://schemas.openxmlformats.org/presentationml/2006/main">
+  <p:cSld>
+    <p:bg>
+      <p:bgPr>
+        <a:solidFill>
+          <a:schemeClr val="bg1"/>
+        </a:solidFill>
+        <a:effectLst/>
+      </p:bgPr>
+    </p:bg>
+    <p:spTree>
+      <p:nvGrpSpPr>
+        <p:cNvPr id="1" name=""/>
+        <p:cNvGrpSpPr/>
+        <p:nvPr/>
+      </p:nvGrpSpPr>
+      <p:grpSpPr>
+        <a:xfrm>
+          <a:off x="0" y="0"/>
+          <a:ext cx="0" cy="0"/>
+          <a:chOff x="0" y="0"/>
+          <a:chExt cx="0" cy="0"/>
+        </a:xfrm>
+      </p:grpSpPr>
+      <p:sp>
+        <p:nvSpPr>
+          <p:cNvPr id="4" name="Rectangle 3"/>
+          <p:cNvSpPr/>
+          <p:nvPr/>
+        </p:nvSpPr>
+        <p:spPr>
+          <a:xfrm>
+            <a:off x="0" y="145774"/>
+            <a:ext cx="12191999" cy="729430"/>
+          </a:xfrm>
+          <a:prstGeom prst="rect">
+            <a:avLst/>
+          </a:prstGeom>
+        </p:spPr>
+        <p:txBody>
+          <a:bodyPr wrap="square">
+            <a:spAutoFit/>
+          </a:bodyPr>
+          <a:lstStyle/>
+          <a:p>
+            <a:pPr algn="ctr" rtl="1">
+              <a:lnSpc>
+                <a:spcPct val="115000"/>
+              </a:lnSpc>
+              <a:spcAft>
+                <a:spcPts val="1000"/>
+              </a:spcAft>
+            </a:pPr>
+            <a:r>
+              <a:rPr lang="ar-DZ" sz="3600" b="1" u="sng" dirty="0">
+                <a:solidFill>
+                  <a:srgbClr val="FF0000"/>
+                </a:solidFill>
+                <a:latin typeface="Calibri" panose="020F0502020204030204" pitchFamily="34" charset="0"/>
+                <a:ea typeface="Times New Roman" panose="02020603050405020304" pitchFamily="18" charset="0"/>
+                <a:cs typeface="Times New Roman" panose="02020603050405020304" pitchFamily="18" charset="0"/>
+              </a:rPr>
+              <a:t>الوضعية </a:t>
+            </a:r>
+            <a:r>
+              <a:rPr lang="ar-DZ" sz="3600" b="1" u="sng" dirty="0" err="1">
+                <a:solidFill>
+                  <a:srgbClr val="FF0000"/>
+                </a:solidFill>
+                <a:latin typeface="Calibri" panose="020F0502020204030204" pitchFamily="34" charset="0"/>
+                <a:ea typeface="Times New Roman" panose="02020603050405020304" pitchFamily="18" charset="0"/>
+                <a:cs typeface="Times New Roman" panose="02020603050405020304" pitchFamily="18" charset="0"/>
+              </a:rPr>
+              <a:t>الإنطلاقية</a:t>
+            </a:r>
+            <a:r>
+              <a:rPr lang="ar-DZ" sz="3600" b="1" u="sng" dirty="0">
+                <a:solidFill>
+                  <a:srgbClr val="FF0000"/>
+                </a:solidFill>
+                <a:latin typeface="Calibri" panose="020F0502020204030204" pitchFamily="34" charset="0"/>
+                <a:ea typeface="Times New Roman" panose="02020603050405020304" pitchFamily="18" charset="0"/>
+                <a:cs typeface="Times New Roman" panose="02020603050405020304" pitchFamily="18" charset="0"/>
+              </a:rPr>
+              <a:t> :</a:t>
+            </a:r>
+            <a:endParaRPr lang="fr-FR" sz="3600" b="1" dirty="0">
+              <a:effectLst/>
+              <a:latin typeface="Calibri" panose="020F0502020204030204" pitchFamily="34" charset="0"/>
+              <a:ea typeface="Times New Roman" panose="02020603050405020304" pitchFamily="18" charset="0"/>
+              <a:cs typeface="Arial" panose="020B0604020202020204" pitchFamily="34" charset="0"/>
+            </a:endParaRPr>
+          </a:p>
+        </p:txBody>
+      </p:sp>
+      <p:sp>
+        <p:nvSpPr>
+          <p:cNvPr id="3" name="Rectangle 2"/>
+          <p:cNvSpPr/>
+          <p:nvPr/>
+        </p:nvSpPr>
+        <p:spPr>
+          <a:xfrm>
+            <a:off x="437322" y="766512"/>
+            <a:ext cx="11565784" cy="6494085"/>
+          </a:xfrm>
+          <a:prstGeom prst="rect">
+            <a:avLst/>
+          </a:prstGeom>
+        </p:spPr>
+        <p:txBody>
+          <a:bodyPr wrap="square">
+            <a:spAutoFit/>
+          </a:bodyPr>
+          <a:lstStyle/>
+          <a:p>
+            <a:pPr marL="457200" indent="-457200" algn="r" rtl="1">
+              <a:buFont typeface="Wingdings" panose="05000000000000000000" pitchFamily="2" charset="2"/>
+              <a:buChar char="Ø"/>
+            </a:pPr>
+            <a:r>
+              <a:rPr lang="ar-DZ" sz="3200" u="sng" dirty="0" smtClean="0"/>
+              <a:t>ما هي لغة البرمجة ؟</a:t>
+            </a:r>
+            <a:endParaRPr lang="ar-DZ" sz="3200" dirty="0" smtClean="0"/>
+          </a:p>
+          <a:p>
+            <a:pPr algn="r" rtl="1">
+              <a:lnSpc>
+                <a:spcPct val="200000"/>
+              </a:lnSpc>
+            </a:pPr>
+            <a:r>
+              <a:rPr lang="ar-DZ" sz="3200" b="1" dirty="0"/>
+              <a:t>لغة البرمجة</a:t>
+            </a:r>
+            <a:r>
+              <a:rPr lang="ar-DZ" sz="3200" dirty="0"/>
+              <a:t> هي الطريقة أو "اللغة" التي نستخدمها للتواصل مع الحاسوب.</a:t>
+            </a:r>
+          </a:p>
+          <a:p>
+            <a:pPr algn="r" rtl="1"/>
+            <a:r>
+              <a:rPr lang="ar-DZ" sz="3200" dirty="0"/>
+              <a:t>تمامًا مثلما نتكلم العربية أو الفرنسية للتفاهم بين البشر، نستخدم لغات مثل:</a:t>
+            </a:r>
+          </a:p>
+          <a:p>
+            <a:pPr algn="r" rtl="1"/>
+            <a:r>
+              <a:rPr lang="fr-FR" sz="3200" b="1" dirty="0"/>
+              <a:t>Python</a:t>
+            </a:r>
+            <a:endParaRPr lang="fr-FR" sz="3200" dirty="0"/>
+          </a:p>
+          <a:p>
+            <a:pPr algn="r" rtl="1"/>
+            <a:r>
+              <a:rPr lang="fr-FR" sz="3200" b="1" dirty="0"/>
+              <a:t>Java</a:t>
+            </a:r>
+            <a:endParaRPr lang="fr-FR" sz="3200" dirty="0"/>
+          </a:p>
+          <a:p>
+            <a:pPr algn="r" rtl="1"/>
+            <a:r>
+              <a:rPr lang="fr-FR" sz="3200" b="1" dirty="0"/>
+              <a:t>C++</a:t>
+            </a:r>
+            <a:endParaRPr lang="fr-FR" sz="3200" dirty="0"/>
+          </a:p>
+          <a:p>
+            <a:pPr algn="r" rtl="1"/>
+            <a:r>
+              <a:rPr lang="fr-FR" sz="3200" b="1" dirty="0" smtClean="0"/>
+              <a:t>JavaScript</a:t>
+            </a:r>
+            <a:endParaRPr lang="ar-DZ" sz="3200" dirty="0" smtClean="0"/>
+          </a:p>
+          <a:p>
+            <a:pPr algn="r" rtl="1"/>
+            <a:r>
+              <a:rPr lang="fr-FR" sz="3200" b="1" dirty="0" smtClean="0"/>
+              <a:t>Scratch</a:t>
+            </a:r>
+            <a:r>
+              <a:rPr lang="ar-DZ" sz="3200" b="1" dirty="0" smtClean="0"/>
+              <a:t> (للمبتدئين</a:t>
+            </a:r>
+            <a:r>
+              <a:rPr lang="ar-DZ" sz="3200" b="1" dirty="0"/>
+              <a:t>)</a:t>
+            </a:r>
+            <a:endParaRPr lang="ar-DZ" sz="3200" dirty="0"/>
+          </a:p>
+          <a:p>
+            <a:pPr algn="r" rtl="1"/>
+            <a:r>
+              <a:rPr lang="ar-DZ" sz="3200" dirty="0"/>
+              <a:t>للتواصل مع الحاسوب.</a:t>
+            </a:r>
+          </a:p>
+          <a:p>
+            <a:pPr algn="r" rtl="1"/>
+            <a:r>
+              <a:rPr lang="ar-DZ" sz="3200" dirty="0"/>
+              <a:t>كل لغة لها </a:t>
+            </a:r>
+            <a:r>
+              <a:rPr lang="ar-DZ" sz="3200" dirty="0" smtClean="0"/>
+              <a:t>قواعدها </a:t>
+            </a:r>
+            <a:r>
+              <a:rPr lang="fr-FR" sz="3200" dirty="0" err="1" smtClean="0"/>
+              <a:t>syntax</a:t>
+            </a:r>
+            <a:r>
+              <a:rPr lang="fr-FR" sz="3200" dirty="0" smtClean="0"/>
+              <a:t>)</a:t>
+            </a:r>
+            <a:r>
+              <a:rPr lang="ar-DZ" sz="3200" dirty="0"/>
+              <a:t>)</a:t>
+            </a:r>
+            <a:r>
+              <a:rPr lang="fr-FR" sz="3200" dirty="0" smtClean="0"/>
+              <a:t>، </a:t>
+            </a:r>
+            <a:r>
+              <a:rPr lang="ar-DZ" sz="3200" dirty="0"/>
+              <a:t>وطريقتها في التعبير، ولكن الهدف واحد: </a:t>
+            </a:r>
+            <a:r>
+              <a:rPr lang="ar-DZ" sz="3200" b="1" dirty="0"/>
+              <a:t>إعطاء أوامر دقيقة للحاسوب.</a:t>
+            </a:r>
+            <a:endParaRPr lang="ar-DZ" sz="3200" dirty="0"/>
+          </a:p>
+          <a:p>
+            <a:pPr marL="457200" indent="-457200" algn="r" rtl="1">
+              <a:buFont typeface="Wingdings" panose="05000000000000000000" pitchFamily="2" charset="2"/>
+              <a:buChar char="Ø"/>
+            </a:pPr>
+            <a:endParaRPr lang="fr-FR" sz="3200" dirty="0" smtClean="0"/>
+          </a:p>
+        </p:txBody>
+      </p:sp>
+    </p:spTree>
+    <p:extLst>
+      <p:ext uri="{BB962C8B-B14F-4D97-AF65-F5344CB8AC3E}">
+        <p14:creationId xmlns:p14="http://schemas.microsoft.com/office/powerpoint/2010/main" val="2411169143"/>
+      </p:ext>
+    </p:extLst>
+  </p:cSld>
+  <p:clrMapOvr>
+    <a:masterClrMapping/>
+  </p:clrMapOvr>
+  <p:transition spd="slow">
+    <p:push dir="u"/>
+  </p:transition>
+  <p:timing>
+    <p:tnLst>
+      <p:par>
+        <p:cTn id="1" dur="indefinite" restart="never" nodeType="tmRoot"/>
+      </p:par>
+    </p:tnLst>
+  </p:timing>
+</p:sld>
+</file>
+
+<file path=ppt/slides/slide4.xml><?xml version="1.0" encoding="utf-8"?>
+<p:sld xmlns:a="http://schemas.openxmlformats.org/drawingml/2006/main" xmlns:r="http://schemas.openxmlformats.org/officeDocument/2006/relationships" xmlns:p="http://schemas.openxmlformats.org/presentationml/2006/main">
+  <p:cSld>
+    <p:bg>
+      <p:bgPr>
+        <a:solidFill>
+          <a:schemeClr val="bg1"/>
+        </a:solidFill>
+        <a:effectLst/>
+      </p:bgPr>
+    </p:bg>
+    <p:spTree>
+      <p:nvGrpSpPr>
+        <p:cNvPr id="1" name=""/>
+        <p:cNvGrpSpPr/>
+        <p:nvPr/>
+      </p:nvGrpSpPr>
+      <p:grpSpPr>
+        <a:xfrm>
+          <a:off x="0" y="0"/>
+          <a:ext cx="0" cy="0"/>
+          <a:chOff x="0" y="0"/>
+          <a:chExt cx="0" cy="0"/>
+        </a:xfrm>
+      </p:grpSpPr>
+      <p:sp>
+        <p:nvSpPr>
+          <p:cNvPr id="4" name="Rectangle 3"/>
+          <p:cNvSpPr/>
+          <p:nvPr/>
+        </p:nvSpPr>
+        <p:spPr>
+          <a:xfrm>
+            <a:off x="0" y="7772"/>
+            <a:ext cx="11970469" cy="755400"/>
           </a:xfrm>
           <a:prstGeom prst="rect">
             <a:avLst/>
@@ -3562,7 +5068,7 @@
               </a:spcAft>
             </a:pPr>
             <a:r>
-              <a:rPr lang="ar-DZ" sz="4800" b="1" u="sng" dirty="0" smtClean="0">
+              <a:rPr lang="ar-DZ" sz="4000" b="1" u="sng" dirty="0" smtClean="0">
                 <a:solidFill>
                   <a:srgbClr val="FF0000"/>
                 </a:solidFill>
@@ -3570,10 +5076,10 @@
                 <a:ea typeface="Times New Roman" panose="02020603050405020304" pitchFamily="18" charset="0"/>
                 <a:cs typeface="Times New Roman" panose="02020603050405020304" pitchFamily="18" charset="0"/>
               </a:rPr>
-              <a:t>تغذية </a:t>
-            </a:r>
-            <a:r>
-              <a:rPr lang="ar-DZ" sz="4800" b="1" u="sng" dirty="0">
+              <a:t>نشاط </a:t>
+            </a:r>
+            <a:r>
+              <a:rPr lang="ar-DZ" sz="4000" b="1" u="sng" dirty="0" smtClean="0">
                 <a:solidFill>
                   <a:srgbClr val="FF0000"/>
                 </a:solidFill>
@@ -3581,9 +5087,10 @@
                 <a:ea typeface="Times New Roman" panose="02020603050405020304" pitchFamily="18" charset="0"/>
                 <a:cs typeface="Times New Roman" panose="02020603050405020304" pitchFamily="18" charset="0"/>
               </a:rPr>
-              <a:t>راجعة : </a:t>
-            </a:r>
-            <a:endParaRPr lang="fr-FR" sz="4800" b="1" dirty="0">
+              <a:t>01 :</a:t>
+            </a:r>
+            <a:endParaRPr lang="fr-FR" sz="3200" b="1" dirty="0">
+              <a:effectLst/>
               <a:latin typeface="Calibri" panose="020F0502020204030204" pitchFamily="34" charset="0"/>
               <a:ea typeface="Times New Roman" panose="02020603050405020304" pitchFamily="18" charset="0"/>
               <a:cs typeface="Arial" panose="020B0604020202020204" pitchFamily="34" charset="0"/>
@@ -3593,14 +5100,14 @@
       </p:sp>
       <p:sp>
         <p:nvSpPr>
-          <p:cNvPr id="2" name="Rectangle 1"/>
+          <p:cNvPr id="8" name="Rectangle 7"/>
           <p:cNvSpPr/>
           <p:nvPr/>
         </p:nvSpPr>
         <p:spPr>
           <a:xfrm>
-            <a:off x="331305" y="1688515"/>
-            <a:ext cx="11460645" cy="1200329"/>
+            <a:off x="3756" y="807991"/>
+            <a:ext cx="11966713" cy="584775"/>
           </a:xfrm>
           <a:prstGeom prst="rect">
             <a:avLst/>
@@ -3612,27 +5119,184 @@
           </a:bodyPr>
           <a:lstStyle/>
           <a:p>
-            <a:pPr marL="571500" indent="-571500" algn="r" rtl="1">
-              <a:buFont typeface="Wingdings" panose="05000000000000000000" pitchFamily="2" charset="2"/>
-              <a:buChar char="Ø"/>
-            </a:pPr>
-            <a:r>
-              <a:rPr lang="ar-DZ" sz="3600" dirty="0" smtClean="0"/>
-              <a:t>التبويب </a:t>
-            </a:r>
-            <a:r>
-              <a:rPr lang="ar-DZ" sz="3600" dirty="0"/>
-              <a:t>الذي يسمح بإدراج جداول، أشكال، صور و نص فني هو </a:t>
-            </a:r>
-            <a:endParaRPr lang="ar-DZ" sz="3600" dirty="0" smtClean="0"/>
-          </a:p>
-          <a:p>
-            <a:pPr lvl="1" algn="r" rtl="1"/>
-            <a:r>
-              <a:rPr lang="ar-DZ" sz="3600" dirty="0" smtClean="0"/>
-              <a:t>.....................</a:t>
-            </a:r>
-            <a:endParaRPr lang="ar-DZ" sz="3600" dirty="0"/>
+            <a:pPr algn="r" rtl="1"/>
+            <a:r>
+              <a:rPr lang="ar-DZ" sz="3200" dirty="0"/>
+              <a:t>انطلاقا من السندات، </a:t>
+            </a:r>
+            <a:r>
+              <a:rPr lang="ar-DZ" sz="3200" dirty="0" err="1"/>
+              <a:t>إملأ</a:t>
+            </a:r>
+            <a:r>
+              <a:rPr lang="ar-DZ" sz="3200" dirty="0"/>
+              <a:t> الفراغات بما يناسب لاستنتاج مفهوما لبرنامج </a:t>
+            </a:r>
+            <a:r>
+              <a:rPr lang="ar-DZ" sz="3200" dirty="0" err="1"/>
+              <a:t>سكراتش</a:t>
+            </a:r>
+            <a:r>
+              <a:rPr lang="ar-DZ" sz="3200" dirty="0"/>
+              <a:t> :</a:t>
+            </a:r>
+          </a:p>
+        </p:txBody>
+      </p:sp>
+      <p:pic>
+        <p:nvPicPr>
+          <p:cNvPr id="5" name="Image 4"/>
+          <p:cNvPicPr/>
+          <p:nvPr/>
+        </p:nvPicPr>
+        <p:blipFill>
+          <a:blip r:embed="rId3" cstate="print">
+            <a:extLst>
+              <a:ext uri="{28A0092B-C50C-407E-A947-70E740481C1C}">
+                <a14:useLocalDpi xmlns:a14="http://schemas.microsoft.com/office/drawing/2010/main" val="0"/>
+              </a:ext>
+            </a:extLst>
+          </a:blip>
+          <a:stretch>
+            <a:fillRect/>
+          </a:stretch>
+        </p:blipFill>
+        <p:spPr>
+          <a:xfrm>
+            <a:off x="8128389" y="1608210"/>
+            <a:ext cx="3842080" cy="2847354"/>
+          </a:xfrm>
+          <a:prstGeom prst="rect">
+            <a:avLst/>
+          </a:prstGeom>
+          <a:ln>
+            <a:solidFill>
+              <a:srgbClr val="FF0000"/>
+            </a:solidFill>
+          </a:ln>
+        </p:spPr>
+      </p:pic>
+      <p:pic>
+        <p:nvPicPr>
+          <p:cNvPr id="6" name="Image 5"/>
+          <p:cNvPicPr/>
+          <p:nvPr/>
+        </p:nvPicPr>
+        <p:blipFill>
+          <a:blip r:embed="rId4" cstate="print">
+            <a:extLst>
+              <a:ext uri="{28A0092B-C50C-407E-A947-70E740481C1C}">
+                <a14:useLocalDpi xmlns:a14="http://schemas.microsoft.com/office/drawing/2010/main" val="0"/>
+              </a:ext>
+            </a:extLst>
+          </a:blip>
+          <a:stretch>
+            <a:fillRect/>
+          </a:stretch>
+        </p:blipFill>
+        <p:spPr>
+          <a:xfrm>
+            <a:off x="4200188" y="1608210"/>
+            <a:ext cx="3716917" cy="2847354"/>
+          </a:xfrm>
+          <a:prstGeom prst="rect">
+            <a:avLst/>
+          </a:prstGeom>
+          <a:ln>
+            <a:solidFill>
+              <a:srgbClr val="FF0000"/>
+            </a:solidFill>
+          </a:ln>
+        </p:spPr>
+      </p:pic>
+      <p:pic>
+        <p:nvPicPr>
+          <p:cNvPr id="7" name="Image 6"/>
+          <p:cNvPicPr/>
+          <p:nvPr/>
+        </p:nvPicPr>
+        <p:blipFill>
+          <a:blip r:embed="rId5">
+            <a:extLst>
+              <a:ext uri="{28A0092B-C50C-407E-A947-70E740481C1C}">
+                <a14:useLocalDpi xmlns:a14="http://schemas.microsoft.com/office/drawing/2010/main" val="0"/>
+              </a:ext>
+            </a:extLst>
+          </a:blip>
+          <a:stretch>
+            <a:fillRect/>
+          </a:stretch>
+        </p:blipFill>
+        <p:spPr>
+          <a:xfrm>
+            <a:off x="253833" y="1608210"/>
+            <a:ext cx="3735071" cy="2867808"/>
+          </a:xfrm>
+          <a:prstGeom prst="rect">
+            <a:avLst/>
+          </a:prstGeom>
+          <a:ln>
+            <a:solidFill>
+              <a:srgbClr val="FF0000"/>
+            </a:solidFill>
+          </a:ln>
+        </p:spPr>
+      </p:pic>
+      <p:sp>
+        <p:nvSpPr>
+          <p:cNvPr id="9" name="Rectangle 8"/>
+          <p:cNvSpPr/>
+          <p:nvPr/>
+        </p:nvSpPr>
+        <p:spPr>
+          <a:xfrm>
+            <a:off x="253833" y="4922791"/>
+            <a:ext cx="11716636" cy="584775"/>
+          </a:xfrm>
+          <a:prstGeom prst="rect">
+            <a:avLst/>
+          </a:prstGeom>
+        </p:spPr>
+        <p:txBody>
+          <a:bodyPr wrap="square">
+            <a:spAutoFit/>
+          </a:bodyPr>
+          <a:lstStyle/>
+          <a:p>
+            <a:pPr algn="r" rtl="1"/>
+            <a:r>
+              <a:rPr lang="ar-DZ" sz="3200" dirty="0" smtClean="0">
+                <a:cs typeface="+mj-cs"/>
+              </a:rPr>
+              <a:t>هو .....................  </a:t>
+            </a:r>
+            <a:r>
+              <a:rPr lang="ar-DZ" sz="3200" dirty="0">
+                <a:cs typeface="+mj-cs"/>
+              </a:rPr>
+              <a:t>تسمح بإنشاء </a:t>
+            </a:r>
+            <a:r>
+              <a:rPr lang="ar-DZ" sz="3200" dirty="0" smtClean="0">
+                <a:cs typeface="+mj-cs"/>
+              </a:rPr>
+              <a:t> ............... ،  ....................  </a:t>
+            </a:r>
+            <a:r>
+              <a:rPr lang="ar-DZ" sz="3200" dirty="0">
+                <a:cs typeface="+mj-cs"/>
+              </a:rPr>
+              <a:t>و </a:t>
+            </a:r>
+            <a:r>
+              <a:rPr lang="ar-DZ" sz="3200" dirty="0" smtClean="0">
+                <a:cs typeface="+mj-cs"/>
+              </a:rPr>
+              <a:t> ...................</a:t>
+            </a:r>
+            <a:endParaRPr lang="ar-DZ" sz="3200" dirty="0">
+              <a:cs typeface="+mj-cs"/>
+            </a:endParaRPr>
           </a:p>
         </p:txBody>
       </p:sp>
@@ -3644,8 +5308,8 @@
         </p:nvSpPr>
         <p:spPr>
           <a:xfrm>
-            <a:off x="8587409" y="2288679"/>
-            <a:ext cx="2703444" cy="646331"/>
+            <a:off x="9170504" y="5015556"/>
+            <a:ext cx="2292626" cy="584775"/>
           </a:xfrm>
           <a:prstGeom prst="rect">
             <a:avLst/>
@@ -3662,17 +5326,148 @@
           <a:p>
             <a:pPr algn="ctr"/>
             <a:r>
-              <a:rPr lang="fr-FR" sz="3600" b="1" dirty="0" smtClean="0">
+              <a:rPr lang="ar-DZ" sz="3200" dirty="0" smtClean="0">
                 <a:solidFill>
                   <a:srgbClr val="FF0000"/>
                 </a:solidFill>
-              </a:rPr>
-              <a:t>Insertion</a:t>
-            </a:r>
-            <a:endParaRPr lang="fr-FR" sz="3600" b="1" dirty="0">
+                <a:cs typeface="+mj-cs"/>
+              </a:rPr>
+              <a:t>لغة برمجة</a:t>
+            </a:r>
+            <a:endParaRPr lang="fr-FR" sz="3200" dirty="0">
               <a:solidFill>
                 <a:srgbClr val="FF0000"/>
               </a:solidFill>
+              <a:cs typeface="+mj-cs"/>
+            </a:endParaRPr>
+          </a:p>
+        </p:txBody>
+      </p:sp>
+      <p:sp>
+        <p:nvSpPr>
+          <p:cNvPr id="10" name="ZoneTexte 9"/>
+          <p:cNvSpPr txBox="1"/>
+          <p:nvPr/>
+        </p:nvSpPr>
+        <p:spPr>
+          <a:xfrm>
+            <a:off x="5742997" y="5015555"/>
+            <a:ext cx="1678220" cy="584775"/>
+          </a:xfrm>
+          <a:prstGeom prst="rect">
+            <a:avLst/>
+          </a:prstGeom>
+          <a:solidFill>
+            <a:schemeClr val="bg1"/>
+          </a:solidFill>
+        </p:spPr>
+        <p:txBody>
+          <a:bodyPr wrap="square" rtlCol="0">
+            <a:spAutoFit/>
+          </a:bodyPr>
+          <a:lstStyle/>
+          <a:p>
+            <a:pPr algn="ctr"/>
+            <a:r>
+              <a:rPr lang="ar-DZ" sz="3200" dirty="0" smtClean="0">
+                <a:solidFill>
+                  <a:srgbClr val="FF0000"/>
+                </a:solidFill>
+                <a:cs typeface="+mj-cs"/>
+              </a:rPr>
+              <a:t>ألعاب</a:t>
+            </a:r>
+            <a:endParaRPr lang="fr-FR" sz="3200" dirty="0">
+              <a:solidFill>
+                <a:srgbClr val="FF0000"/>
+              </a:solidFill>
+              <a:cs typeface="+mj-cs"/>
+            </a:endParaRPr>
+          </a:p>
+        </p:txBody>
+      </p:sp>
+      <p:sp>
+        <p:nvSpPr>
+          <p:cNvPr id="11" name="ZoneTexte 10"/>
+          <p:cNvSpPr txBox="1"/>
+          <p:nvPr/>
+        </p:nvSpPr>
+        <p:spPr>
+          <a:xfrm>
+            <a:off x="3299791" y="5015555"/>
+            <a:ext cx="2046710" cy="584775"/>
+          </a:xfrm>
+          <a:prstGeom prst="rect">
+            <a:avLst/>
+          </a:prstGeom>
+          <a:solidFill>
+            <a:schemeClr val="bg1"/>
+          </a:solidFill>
+        </p:spPr>
+        <p:txBody>
+          <a:bodyPr wrap="square" rtlCol="0">
+            <a:spAutoFit/>
+          </a:bodyPr>
+          <a:lstStyle/>
+          <a:p>
+            <a:pPr algn="ctr"/>
+            <a:r>
+              <a:rPr lang="ar-DZ" sz="3200" dirty="0" smtClean="0">
+                <a:solidFill>
+                  <a:srgbClr val="FF0000"/>
+                </a:solidFill>
+                <a:cs typeface="+mj-cs"/>
+              </a:rPr>
+              <a:t>رسوم متحركة</a:t>
+            </a:r>
+            <a:endParaRPr lang="fr-FR" sz="3200" dirty="0">
+              <a:solidFill>
+                <a:srgbClr val="FF0000"/>
+              </a:solidFill>
+              <a:cs typeface="+mj-cs"/>
+            </a:endParaRPr>
+          </a:p>
+        </p:txBody>
+      </p:sp>
+      <p:sp>
+        <p:nvSpPr>
+          <p:cNvPr id="12" name="ZoneTexte 11"/>
+          <p:cNvSpPr txBox="1"/>
+          <p:nvPr/>
+        </p:nvSpPr>
+        <p:spPr>
+          <a:xfrm>
+            <a:off x="499826" y="5015555"/>
+            <a:ext cx="2292626" cy="584775"/>
+          </a:xfrm>
+          <a:prstGeom prst="rect">
+            <a:avLst/>
+          </a:prstGeom>
+          <a:solidFill>
+            <a:schemeClr val="bg1"/>
+          </a:solidFill>
+        </p:spPr>
+        <p:txBody>
+          <a:bodyPr wrap="square" rtlCol="0">
+            <a:spAutoFit/>
+          </a:bodyPr>
+          <a:lstStyle/>
+          <a:p>
+            <a:pPr algn="ctr"/>
+            <a:r>
+              <a:rPr lang="ar-DZ" sz="3200" dirty="0" smtClean="0">
+                <a:solidFill>
+                  <a:srgbClr val="FF0000"/>
+                </a:solidFill>
+                <a:cs typeface="+mj-cs"/>
+              </a:rPr>
+              <a:t>قصص تعليمية</a:t>
+            </a:r>
+            <a:endParaRPr lang="fr-FR" sz="3200" dirty="0">
+              <a:solidFill>
+                <a:srgbClr val="FF0000"/>
+              </a:solidFill>
+              <a:cs typeface="+mj-cs"/>
             </a:endParaRPr>
           </a:p>
         </p:txBody>
@@ -3680,13 +5475,16 @@
     </p:spTree>
     <p:extLst>
       <p:ext uri="{BB962C8B-B14F-4D97-AF65-F5344CB8AC3E}">
-        <p14:creationId xmlns:p14="http://schemas.microsoft.com/office/powerpoint/2010/main" val="845848707"/>
+        <p14:creationId xmlns:p14="http://schemas.microsoft.com/office/powerpoint/2010/main" val="3692245190"/>
       </p:ext>
     </p:extLst>
   </p:cSld>
   <p:clrMapOvr>
     <a:masterClrMapping/>
   </p:clrMapOvr>
+  <p:transition spd="slow">
+    <p:push dir="u"/>
+  </p:transition>
   <p:timing>
     <p:tnLst>
       <p:par>
@@ -3794,6 +5592,303 @@
                       </p:childTnLst>
                     </p:cTn>
                   </p:par>
+                  <p:par>
+                    <p:cTn id="10" fill="hold">
+                      <p:stCondLst>
+                        <p:cond delay="indefinite"/>
+                      </p:stCondLst>
+                      <p:childTnLst>
+                        <p:par>
+                          <p:cTn id="11" fill="hold">
+                            <p:stCondLst>
+                              <p:cond delay="0"/>
+                            </p:stCondLst>
+                            <p:childTnLst>
+                              <p:par>
+                                <p:cTn id="12" presetID="42" presetClass="entr" presetSubtype="0" fill="hold" grpId="0" nodeType="clickEffect">
+                                  <p:stCondLst>
+                                    <p:cond delay="0"/>
+                                  </p:stCondLst>
+                                  <p:childTnLst>
+                                    <p:set>
+                                      <p:cBhvr>
+                                        <p:cTn id="13" dur="1" fill="hold">
+                                          <p:stCondLst>
+                                            <p:cond delay="0"/>
+                                          </p:stCondLst>
+                                        </p:cTn>
+                                        <p:tgtEl>
+                                          <p:spTgt spid="10"/>
+                                        </p:tgtEl>
+                                        <p:attrNameLst>
+                                          <p:attrName>style.visibility</p:attrName>
+                                        </p:attrNameLst>
+                                      </p:cBhvr>
+                                      <p:to>
+                                        <p:strVal val="visible"/>
+                                      </p:to>
+                                    </p:set>
+                                    <p:animEffect transition="in" filter="fade">
+                                      <p:cBhvr>
+                                        <p:cTn id="14" dur="1000"/>
+                                        <p:tgtEl>
+                                          <p:spTgt spid="10"/>
+                                        </p:tgtEl>
+                                      </p:cBhvr>
+                                    </p:animEffect>
+                                    <p:anim calcmode="lin" valueType="num">
+                                      <p:cBhvr>
+                                        <p:cTn id="15" dur="1000" fill="hold"/>
+                                        <p:tgtEl>
+                                          <p:spTgt spid="10"/>
+                                        </p:tgtEl>
+                                        <p:attrNameLst>
+                                          <p:attrName>ppt_x</p:attrName>
+                                        </p:attrNameLst>
+                                      </p:cBhvr>
+                                      <p:tavLst>
+                                        <p:tav tm="0">
+                                          <p:val>
+                                            <p:strVal val="#ppt_x"/>
+                                          </p:val>
+                                        </p:tav>
+                                        <p:tav tm="100000">
+                                          <p:val>
+                                            <p:strVal val="#ppt_x"/>
+                                          </p:val>
+                                        </p:tav>
+                                      </p:tavLst>
+                                    </p:anim>
+                                    <p:anim calcmode="lin" valueType="num">
+                                      <p:cBhvr>
+                                        <p:cTn id="16" dur="1000" fill="hold"/>
+                                        <p:tgtEl>
+                                          <p:spTgt spid="10"/>
+                                        </p:tgtEl>
+                                        <p:attrNameLst>
+                                          <p:attrName>ppt_y</p:attrName>
+                                        </p:attrNameLst>
+                                      </p:cBhvr>
+                                      <p:tavLst>
+                                        <p:tav tm="0">
+                                          <p:val>
+                                            <p:strVal val="#ppt_y+.1"/>
+                                          </p:val>
+                                        </p:tav>
+                                        <p:tav tm="100000">
+                                          <p:val>
+                                            <p:strVal val="#ppt_y"/>
+                                          </p:val>
+                                        </p:tav>
+                                      </p:tavLst>
+                                    </p:anim>
+                                  </p:childTnLst>
+                                </p:cTn>
+                              </p:par>
+                            </p:childTnLst>
+                          </p:cTn>
+                        </p:par>
+                      </p:childTnLst>
+                    </p:cTn>
+                  </p:par>
+                  <p:par>
+                    <p:cTn id="17" fill="hold">
+                      <p:stCondLst>
+                        <p:cond delay="indefinite"/>
+                      </p:stCondLst>
+                      <p:childTnLst>
+                        <p:par>
+                          <p:cTn id="18" fill="hold">
+                            <p:stCondLst>
+                              <p:cond delay="0"/>
+                            </p:stCondLst>
+                            <p:childTnLst>
+                              <p:par>
+                                <p:cTn id="19" presetID="42" presetClass="entr" presetSubtype="0" fill="hold" grpId="0" nodeType="clickEffect">
+                                  <p:stCondLst>
+                                    <p:cond delay="0"/>
+                                  </p:stCondLst>
+                                  <p:childTnLst>
+                                    <p:set>
+                                      <p:cBhvr>
+                                        <p:cTn id="20" dur="1" fill="hold">
+                                          <p:stCondLst>
+                                            <p:cond delay="0"/>
+                                          </p:stCondLst>
+                                        </p:cTn>
+                                        <p:tgtEl>
+                                          <p:spTgt spid="11"/>
+                                        </p:tgtEl>
+                                        <p:attrNameLst>
+                                          <p:attrName>style.visibility</p:attrName>
+                                        </p:attrNameLst>
+                                      </p:cBhvr>
+                                      <p:to>
+                                        <p:strVal val="visible"/>
+                                      </p:to>
+                                    </p:set>
+                                    <p:animEffect transition="in" filter="fade">
+                                      <p:cBhvr>
+                                        <p:cTn id="21" dur="1000"/>
+                                        <p:tgtEl>
+                                          <p:spTgt spid="11"/>
+                                        </p:tgtEl>
+                                      </p:cBhvr>
+                                    </p:animEffect>
+                                    <p:anim calcmode="lin" valueType="num">
+                                      <p:cBhvr>
+                                        <p:cTn id="22" dur="1000" fill="hold"/>
+                                        <p:tgtEl>
+                                          <p:spTgt spid="11"/>
+                                        </p:tgtEl>
+                                        <p:attrNameLst>
+                                          <p:attrName>ppt_x</p:attrName>
+                                        </p:attrNameLst>
+                                      </p:cBhvr>
+                                      <p:tavLst>
+                                        <p:tav tm="0">
+                                          <p:val>
+                                            <p:strVal val="#ppt_x"/>
+                                          </p:val>
+                                        </p:tav>
+                                        <p:tav tm="100000">
+                                          <p:val>
+                                            <p:strVal val="#ppt_x"/>
+                                          </p:val>
+                                        </p:tav>
+                                      </p:tavLst>
+                                    </p:anim>
+                                    <p:anim calcmode="lin" valueType="num">
+                                      <p:cBhvr>
+                                        <p:cTn id="23" dur="1000" fill="hold"/>
+                                        <p:tgtEl>
+                                          <p:spTgt spid="11"/>
+                                        </p:tgtEl>
+                                        <p:attrNameLst>
+                                          <p:attrName>ppt_y</p:attrName>
+                                        </p:attrNameLst>
+                                      </p:cBhvr>
+                                      <p:tavLst>
+                                        <p:tav tm="0">
+                                          <p:val>
+                                            <p:strVal val="#ppt_y+.1"/>
+                                          </p:val>
+                                        </p:tav>
+                                        <p:tav tm="100000">
+                                          <p:val>
+                                            <p:strVal val="#ppt_y"/>
+                                          </p:val>
+                                        </p:tav>
+                                      </p:tavLst>
+                                    </p:anim>
+                                  </p:childTnLst>
+                                </p:cTn>
+                              </p:par>
+                            </p:childTnLst>
+                          </p:cTn>
+                        </p:par>
+                      </p:childTnLst>
+                    </p:cTn>
+                  </p:par>
+                  <p:par>
+                    <p:cTn id="24" fill="hold">
+                      <p:stCondLst>
+                        <p:cond delay="indefinite"/>
+                      </p:stCondLst>
+                      <p:childTnLst>
+                        <p:par>
+                          <p:cTn id="25" fill="hold">
+                            <p:stCondLst>
+                              <p:cond delay="0"/>
+                            </p:stCondLst>
+                            <p:childTnLst>
+                              <p:par>
+                                <p:cTn id="26" presetID="42" presetClass="entr" presetSubtype="0" fill="hold" grpId="0" nodeType="clickEffect">
+                                  <p:stCondLst>
+                                    <p:cond delay="0"/>
+                                  </p:stCondLst>
+                                  <p:childTnLst>
+                                    <p:set>
+                                      <p:cBhvr>
+                                        <p:cTn id="27" dur="1" fill="hold">
+                                          <p:stCondLst>
+                                            <p:cond delay="0"/>
+                                          </p:stCondLst>
+                                        </p:cTn>
+                                        <p:tgtEl>
+                                          <p:spTgt spid="12"/>
+                                        </p:tgtEl>
+                                        <p:attrNameLst>
+                                          <p:attrName>style.visibility</p:attrName>
+                                        </p:attrNameLst>
+                                      </p:cBhvr>
+                                      <p:to>
+                                        <p:strVal val="visible"/>
+                                      </p:to>
+                                    </p:set>
+                                    <p:animEffect transition="in" filter="fade">
+                                      <p:cBhvr>
+                                        <p:cTn id="28" dur="1000"/>
+                                        <p:tgtEl>
+                                          <p:spTgt spid="12"/>
+                                        </p:tgtEl>
+                                      </p:cBhvr>
+                                    </p:animEffect>
+                                    <p:anim calcmode="lin" valueType="num">
+                                      <p:cBhvr>
+                                        <p:cTn id="29" dur="1000" fill="hold"/>
+                                        <p:tgtEl>
+                                          <p:spTgt spid="12"/>
+                                        </p:tgtEl>
+                                        <p:attrNameLst>
+                                          <p:attrName>ppt_x</p:attrName>
+                                        </p:attrNameLst>
+                                      </p:cBhvr>
+                                      <p:tavLst>
+                                        <p:tav tm="0">
+                                          <p:val>
+                                            <p:strVal val="#ppt_x"/>
+                                          </p:val>
+                                        </p:tav>
+                                        <p:tav tm="100000">
+                                          <p:val>
+                                            <p:strVal val="#ppt_x"/>
+                                          </p:val>
+                                        </p:tav>
+                                      </p:tavLst>
+                                    </p:anim>
+                                    <p:anim calcmode="lin" valueType="num">
+                                      <p:cBhvr>
+                                        <p:cTn id="30" dur="1000" fill="hold"/>
+                                        <p:tgtEl>
+                                          <p:spTgt spid="12"/>
+                                        </p:tgtEl>
+                                        <p:attrNameLst>
+                                          <p:attrName>ppt_y</p:attrName>
+                                        </p:attrNameLst>
+                                      </p:cBhvr>
+                                      <p:tavLst>
+                                        <p:tav tm="0">
+                                          <p:val>
+                                            <p:strVal val="#ppt_y+.1"/>
+                                          </p:val>
+                                        </p:tav>
+                                        <p:tav tm="100000">
+                                          <p:val>
+                                            <p:strVal val="#ppt_y"/>
+                                          </p:val>
+                                        </p:tav>
+                                      </p:tavLst>
+                                    </p:anim>
+                                  </p:childTnLst>
+                                </p:cTn>
+                              </p:par>
+                            </p:childTnLst>
+                          </p:cTn>
+                        </p:par>
+                      </p:childTnLst>
+                    </p:cTn>
+                  </p:par>
                 </p:childTnLst>
               </p:cTn>
               <p:prevCondLst>
@@ -3817,12 +5912,15 @@
     </p:tnLst>
     <p:bldLst>
       <p:bldP spid="3" grpId="0" animBg="1"/>
+      <p:bldP spid="10" grpId="0" animBg="1"/>
+      <p:bldP spid="11" grpId="0" animBg="1"/>
+      <p:bldP spid="12" grpId="0" animBg="1"/>
     </p:bldLst>
   </p:timing>
 </p:sld>
 </file>
 
-<file path=ppt/slides/slide2.xml><?xml version="1.0" encoding="utf-8"?>
+<file path=ppt/slides/slide5.xml><?xml version="1.0" encoding="utf-8"?>
 <p:sld xmlns:a="http://schemas.openxmlformats.org/drawingml/2006/main" xmlns:r="http://schemas.openxmlformats.org/officeDocument/2006/relationships" xmlns:p="http://schemas.openxmlformats.org/presentationml/2006/main">
   <p:cSld>
     <p:bg>
@@ -3855,8 +5953,8 @@
         </p:nvSpPr>
         <p:spPr>
           <a:xfrm>
-            <a:off x="0" y="145774"/>
-            <a:ext cx="12191999" cy="729430"/>
+            <a:off x="0" y="7772"/>
+            <a:ext cx="11970469" cy="755400"/>
           </a:xfrm>
           <a:prstGeom prst="rect">
             <a:avLst/>
@@ -3868,7 +5966,7 @@
           </a:bodyPr>
           <a:lstStyle/>
           <a:p>
-            <a:pPr algn="ctr" rtl="1">
+            <a:pPr algn="r" rtl="1">
               <a:lnSpc>
                 <a:spcPct val="115000"/>
               </a:lnSpc>
@@ -3877,7 +5975,7 @@
               </a:spcAft>
             </a:pPr>
             <a:r>
-              <a:rPr lang="ar-DZ" sz="3600" b="1" u="sng" dirty="0">
+              <a:rPr lang="ar-DZ" sz="4000" b="1" u="sng" dirty="0" smtClean="0">
                 <a:solidFill>
                   <a:srgbClr val="FF0000"/>
                 </a:solidFill>
@@ -3885,10 +5983,10 @@
                 <a:ea typeface="Times New Roman" panose="02020603050405020304" pitchFamily="18" charset="0"/>
                 <a:cs typeface="Times New Roman" panose="02020603050405020304" pitchFamily="18" charset="0"/>
               </a:rPr>
-              <a:t>الوضعية </a:t>
-            </a:r>
-            <a:r>
-              <a:rPr lang="ar-DZ" sz="3600" b="1" u="sng" dirty="0" err="1">
+              <a:t>نشاط </a:t>
+            </a:r>
+            <a:r>
+              <a:rPr lang="ar-DZ" sz="4000" b="1" u="sng" dirty="0" smtClean="0">
                 <a:solidFill>
                   <a:srgbClr val="FF0000"/>
                 </a:solidFill>
@@ -3896,20 +5994,9 @@
                 <a:ea typeface="Times New Roman" panose="02020603050405020304" pitchFamily="18" charset="0"/>
                 <a:cs typeface="Times New Roman" panose="02020603050405020304" pitchFamily="18" charset="0"/>
               </a:rPr>
-              <a:t>الإنطلاقية</a:t>
-            </a:r>
-            <a:r>
-              <a:rPr lang="ar-DZ" sz="3600" b="1" u="sng" dirty="0">
-                <a:solidFill>
-                  <a:srgbClr val="FF0000"/>
-                </a:solidFill>
-                <a:latin typeface="Calibri" panose="020F0502020204030204" pitchFamily="34" charset="0"/>
-                <a:ea typeface="Times New Roman" panose="02020603050405020304" pitchFamily="18" charset="0"/>
-                <a:cs typeface="Times New Roman" panose="02020603050405020304" pitchFamily="18" charset="0"/>
-              </a:rPr>
-              <a:t> :</a:t>
-            </a:r>
-            <a:endParaRPr lang="fr-FR" sz="3600" b="1" dirty="0">
+              <a:t>02 :</a:t>
+            </a:r>
+            <a:endParaRPr lang="fr-FR" sz="3200" b="1" dirty="0">
               <a:effectLst/>
               <a:latin typeface="Calibri" panose="020F0502020204030204" pitchFamily="34" charset="0"/>
               <a:ea typeface="Times New Roman" panose="02020603050405020304" pitchFamily="18" charset="0"/>
@@ -3918,297 +6005,47 @@
           </a:p>
         </p:txBody>
       </p:sp>
-      <mc:AlternateContent xmlns:mc="http://schemas.openxmlformats.org/markup-compatibility/2006">
-        <mc:Choice xmlns:a14="http://schemas.microsoft.com/office/drawing/2010/main" Requires="a14">
-          <p:sp>
-            <p:nvSpPr>
-              <p:cNvPr id="3" name="Rectangle 2"/>
-              <p:cNvSpPr/>
-              <p:nvPr/>
-            </p:nvSpPr>
-            <p:spPr>
-              <a:xfrm>
-                <a:off x="463827" y="1230337"/>
-                <a:ext cx="11565784" cy="3886385"/>
-              </a:xfrm>
-              <a:prstGeom prst="rect">
-                <a:avLst/>
-              </a:prstGeom>
-            </p:spPr>
-            <p:txBody>
-              <a:bodyPr wrap="square">
-                <a:spAutoFit/>
-              </a:bodyPr>
-              <a:lstStyle/>
-              <a:p>
-                <a:pPr marL="457200" indent="-457200" algn="r" rtl="1">
-                  <a:buFont typeface="Wingdings" panose="05000000000000000000" pitchFamily="2" charset="2"/>
-                  <a:buChar char="Ø"/>
-                </a:pPr>
-                <a:r>
-                  <a:rPr lang="ar-DZ" sz="3200" dirty="0"/>
-                  <a:t>برأيك ، ماذا تمثل </a:t>
-                </a:r>
-                <a:r>
-                  <a:rPr lang="ar-DZ" sz="3600" dirty="0"/>
-                  <a:t>العناصر</a:t>
-                </a:r>
-                <a:r>
-                  <a:rPr lang="ar-DZ" sz="3200" dirty="0"/>
-                  <a:t> التالية </a:t>
-                </a:r>
-                <a:r>
-                  <a:rPr lang="ar-DZ" sz="3200" dirty="0" smtClean="0"/>
-                  <a:t>:</a:t>
-                </a:r>
-                <a:endParaRPr lang="fr-FR" sz="3200" dirty="0" smtClean="0"/>
-              </a:p>
-              <a:p>
-                <a:pPr algn="r" rtl="1"/>
-                <a:endParaRPr lang="fr-FR" sz="3200" dirty="0"/>
-              </a:p>
-              <a:p>
-                <a:pPr algn="r" rtl="1"/>
-                <a:r>
-                  <a:rPr lang="ar-DZ" sz="3200" b="1" dirty="0"/>
-                  <a:t>≠      &gt;     =         #        $     +      €    </a:t>
-                </a:r>
-                <a:endParaRPr lang="fr-FR" sz="3200" b="1" dirty="0" smtClean="0"/>
-              </a:p>
-              <a:p>
-                <a:pPr algn="r" rtl="1"/>
-                <a:endParaRPr lang="fr-FR" sz="3200" b="1" dirty="0" smtClean="0"/>
-              </a:p>
-              <a:p>
-                <a:pPr marL="571500" indent="-571500" algn="r" rtl="1">
-                  <a:buFont typeface="Wingdings" panose="05000000000000000000" pitchFamily="2" charset="2"/>
-                  <a:buChar char="Ø"/>
-                </a:pPr>
-                <a:r>
-                  <a:rPr lang="ar-DZ" sz="3600" dirty="0"/>
-                  <a:t>وهذه العبارات، كيف تسمى </a:t>
-                </a:r>
-                <a:r>
-                  <a:rPr lang="ar-DZ" sz="3600" dirty="0" smtClean="0"/>
-                  <a:t>؟</a:t>
-                </a:r>
-                <a:endParaRPr lang="fr-FR" sz="3600" dirty="0" smtClean="0"/>
-              </a:p>
-              <a:p>
-                <a:pPr algn="r" rtl="1"/>
-                <a:endParaRPr lang="fr-FR" sz="3200" dirty="0"/>
-              </a:p>
-              <a:p>
-                <a:pPr algn="r" rtl="1"/>
-                <a14:m>
-                  <m:oMath xmlns:m="http://schemas.openxmlformats.org/officeDocument/2006/math">
-                    <m:f>
-                      <m:fPr>
-                        <m:ctrlPr>
-                          <a:rPr lang="fr-FR" sz="3200" b="1" i="1"/>
-                        </m:ctrlPr>
-                      </m:fPr>
-                      <m:num>
-                        <m:r>
-                          <a:rPr lang="fr-FR" sz="3200" b="1" i="1"/>
-                          <m:t>𝟑</m:t>
-                        </m:r>
-                      </m:num>
-                      <m:den>
-                        <m:r>
-                          <a:rPr lang="fr-FR" sz="3200" b="1" i="1"/>
-                          <m:t>𝟐</m:t>
-                        </m:r>
-                      </m:den>
-                    </m:f>
-                    <m:r>
-                      <a:rPr lang="fr-FR" sz="3200" b="1"/>
-                      <m:t>+</m:t>
-                    </m:r>
-                    <m:f>
-                      <m:fPr>
-                        <m:ctrlPr>
-                          <a:rPr lang="fr-FR" sz="3200" b="1" i="1"/>
-                        </m:ctrlPr>
-                      </m:fPr>
-                      <m:num>
-                        <m:r>
-                          <a:rPr lang="fr-FR" sz="3200" b="1" i="1"/>
-                          <m:t>𝟓</m:t>
-                        </m:r>
-                      </m:num>
-                      <m:den>
-                        <m:r>
-                          <a:rPr lang="fr-FR" sz="3200" b="1" i="1"/>
-                          <m:t>𝟐</m:t>
-                        </m:r>
-                      </m:den>
-                    </m:f>
-                    <m:r>
-                      <a:rPr lang="fr-FR" sz="3200" b="1" i="1"/>
-                      <m:t>=</m:t>
-                    </m:r>
-                    <m:r>
-                      <a:rPr lang="fr-FR" sz="3200" b="1" i="1"/>
-                      <m:t>𝟒</m:t>
-                    </m:r>
-                  </m:oMath>
-                </a14:m>
-                <a:r>
-                  <a:rPr lang="ar-DZ" sz="3200" b="1" dirty="0"/>
-                  <a:t>           </a:t>
-                </a:r>
-                <a14:m>
-                  <m:oMath xmlns:m="http://schemas.openxmlformats.org/officeDocument/2006/math">
-                    <m:r>
-                      <a:rPr lang="fr-FR" sz="3200" b="1" i="1"/>
-                      <m:t>𝟓</m:t>
-                    </m:r>
-                    <m:r>
-                      <a:rPr lang="fr-FR" sz="3200" b="1" i="1"/>
-                      <m:t>+</m:t>
-                    </m:r>
-                    <m:d>
-                      <m:dPr>
-                        <m:ctrlPr>
-                          <a:rPr lang="fr-FR" sz="3200" b="1" i="1"/>
-                        </m:ctrlPr>
-                      </m:dPr>
-                      <m:e>
-                        <m:r>
-                          <a:rPr lang="fr-FR" sz="3200" b="1" i="1"/>
-                          <m:t>𝟑</m:t>
-                        </m:r>
-                        <m:r>
-                          <a:rPr lang="fr-FR" sz="3200" b="1" i="1"/>
-                          <m:t>−</m:t>
-                        </m:r>
-                        <m:r>
-                          <a:rPr lang="fr-FR" sz="3200" b="1" i="1"/>
-                          <m:t>𝟒</m:t>
-                        </m:r>
-                      </m:e>
-                    </m:d>
-                    <m:r>
-                      <a:rPr lang="fr-FR" sz="3200" b="1" i="1"/>
-                      <m:t>=</m:t>
-                    </m:r>
-                    <m:r>
-                      <a:rPr lang="fr-FR" sz="3200" b="1" i="1"/>
-                      <m:t>𝟒</m:t>
-                    </m:r>
-                  </m:oMath>
-                </a14:m>
-                <a:r>
-                  <a:rPr lang="ar-DZ" sz="3200" b="1" dirty="0"/>
-                  <a:t>             </a:t>
-                </a:r>
-                <a14:m>
-                  <m:oMath xmlns:m="http://schemas.openxmlformats.org/officeDocument/2006/math">
-                    <m:f>
-                      <m:fPr>
-                        <m:ctrlPr>
-                          <a:rPr lang="fr-FR" sz="3200" b="1" i="1"/>
-                        </m:ctrlPr>
-                      </m:fPr>
-                      <m:num>
-                        <m:r>
-                          <a:rPr lang="fr-FR" sz="3200" b="1" i="1"/>
-                          <m:t>𝟑</m:t>
-                        </m:r>
-                      </m:num>
-                      <m:den>
-                        <m:r>
-                          <a:rPr lang="fr-FR" sz="3200" b="1" i="1"/>
-                          <m:t>𝟓</m:t>
-                        </m:r>
-                      </m:den>
-                    </m:f>
-                    <m:r>
-                      <a:rPr lang="fr-FR" sz="3200" b="1" i="1"/>
-                      <m:t>+</m:t>
-                    </m:r>
-                    <m:r>
-                      <a:rPr lang="fr-FR" sz="3200" b="1" i="1"/>
-                      <m:t>𝟏</m:t>
-                    </m:r>
-                    <m:r>
-                      <a:rPr lang="fr-FR" sz="3200" b="1" i="1"/>
-                      <m:t>=</m:t>
-                    </m:r>
-                    <m:f>
-                      <m:fPr>
-                        <m:ctrlPr>
-                          <a:rPr lang="fr-FR" sz="3200" b="1" i="1"/>
-                        </m:ctrlPr>
-                      </m:fPr>
-                      <m:num>
-                        <m:r>
-                          <a:rPr lang="fr-FR" sz="3200" b="1" i="1"/>
-                          <m:t>𝟖</m:t>
-                        </m:r>
-                      </m:num>
-                      <m:den>
-                        <m:r>
-                          <a:rPr lang="fr-FR" sz="3200" b="1" i="1"/>
-                          <m:t>𝟓</m:t>
-                        </m:r>
-                      </m:den>
-                    </m:f>
-                  </m:oMath>
-                </a14:m>
-                <a:r>
-                  <a:rPr lang="ar-DZ" sz="3200" b="1" dirty="0" smtClean="0"/>
-                  <a:t>  </a:t>
-                </a:r>
-                <a:endParaRPr lang="fr-FR" sz="3200" b="1" dirty="0"/>
-              </a:p>
-            </p:txBody>
-          </p:sp>
-        </mc:Choice>
-        <mc:Fallback>
-          <p:sp>
-            <p:nvSpPr>
-              <p:cNvPr id="3" name="Rectangle 2"/>
-              <p:cNvSpPr>
-                <a:spLocks noRot="1" noChangeAspect="1" noMove="1" noResize="1" noEditPoints="1" noAdjustHandles="1" noChangeArrowheads="1" noChangeShapeType="1" noTextEdit="1"/>
-              </p:cNvSpPr>
-              <p:nvPr/>
-            </p:nvSpPr>
-            <p:spPr>
-              <a:xfrm>
-                <a:off x="463827" y="1230337"/>
-                <a:ext cx="11565784" cy="3886385"/>
-              </a:xfrm>
-              <a:prstGeom prst="rect">
-                <a:avLst/>
-              </a:prstGeom>
-              <a:blipFill rotWithShape="0">
-                <a:blip r:embed="rId3"/>
-                <a:stretch>
-                  <a:fillRect t="-2512" r="-1476" b="-1413"/>
-                </a:stretch>
-              </a:blipFill>
-            </p:spPr>
-            <p:txBody>
-              <a:bodyPr/>
-              <a:lstStyle/>
-              <a:p>
-                <a:r>
-                  <a:rPr lang="fr-FR">
-                    <a:noFill/>
-                  </a:rPr>
-                  <a:t> </a:t>
-                </a:r>
-              </a:p>
-            </p:txBody>
-          </p:sp>
-        </mc:Fallback>
-      </mc:AlternateContent>
+      <p:sp>
+        <p:nvSpPr>
+          <p:cNvPr id="8" name="Rectangle 7"/>
+          <p:cNvSpPr/>
+          <p:nvPr/>
+        </p:nvSpPr>
+        <p:spPr>
+          <a:xfrm>
+            <a:off x="3756" y="807991"/>
+            <a:ext cx="11966713" cy="584775"/>
+          </a:xfrm>
+          <a:prstGeom prst="rect">
+            <a:avLst/>
+          </a:prstGeom>
+        </p:spPr>
+        <p:txBody>
+          <a:bodyPr wrap="square">
+            <a:spAutoFit/>
+          </a:bodyPr>
+          <a:lstStyle/>
+          <a:p>
+            <a:pPr marL="457200" indent="-457200" algn="r" rtl="1">
+              <a:buFont typeface="Wingdings" panose="05000000000000000000" pitchFamily="2" charset="2"/>
+              <a:buChar char="Ø"/>
+            </a:pPr>
+            <a:r>
+              <a:rPr lang="ar-DZ" sz="3200" dirty="0"/>
+              <a:t>لنتوجه إلى الحاسوب و نحاول إيجاد طرق تشغيل برنامج </a:t>
+            </a:r>
+            <a:r>
+              <a:rPr lang="ar-DZ" sz="3200" dirty="0" err="1"/>
+              <a:t>سكراتش</a:t>
+            </a:r>
+            <a:endParaRPr lang="ar-DZ" sz="3200" dirty="0"/>
+          </a:p>
+        </p:txBody>
+      </p:sp>
     </p:spTree>
     <p:extLst>
       <p:ext uri="{BB962C8B-B14F-4D97-AF65-F5344CB8AC3E}">
-        <p14:creationId xmlns:p14="http://schemas.microsoft.com/office/powerpoint/2010/main" val="2209839172"/>
+        <p14:creationId xmlns:p14="http://schemas.microsoft.com/office/powerpoint/2010/main" val="2637627132"/>
       </p:ext>
     </p:extLst>
   </p:cSld>
@@ -4228,7 +6065,7 @@
 </p:sld>
 </file>
 
-<file path=ppt/slides/slide3.xml><?xml version="1.0" encoding="utf-8"?>
+<file path=ppt/slides/slide6.xml><?xml version="1.0" encoding="utf-8"?>
 <p:sld xmlns:a="http://schemas.openxmlformats.org/drawingml/2006/main" xmlns:r="http://schemas.openxmlformats.org/officeDocument/2006/relationships" xmlns:p="http://schemas.openxmlformats.org/presentationml/2006/main">
   <p:cSld>
     <p:bg>
@@ -4261,8 +6098,8 @@
         </p:nvSpPr>
         <p:spPr>
           <a:xfrm>
-            <a:off x="0" y="188214"/>
-            <a:ext cx="11970469" cy="800219"/>
+            <a:off x="0" y="7772"/>
+            <a:ext cx="11970469" cy="755400"/>
           </a:xfrm>
           <a:prstGeom prst="rect">
             <a:avLst/>
@@ -4291,7 +6128,18 @@
                 <a:ea typeface="Times New Roman" panose="02020603050405020304" pitchFamily="18" charset="0"/>
                 <a:cs typeface="Times New Roman" panose="02020603050405020304" pitchFamily="18" charset="0"/>
               </a:rPr>
-              <a:t>نشاط :</a:t>
+              <a:t>نشاط </a:t>
+            </a:r>
+            <a:r>
+              <a:rPr lang="ar-DZ" sz="4000" b="1" u="sng" dirty="0" smtClean="0">
+                <a:solidFill>
+                  <a:srgbClr val="FF0000"/>
+                </a:solidFill>
+                <a:latin typeface="Calibri" panose="020F0502020204030204" pitchFamily="34" charset="0"/>
+                <a:ea typeface="Times New Roman" panose="02020603050405020304" pitchFamily="18" charset="0"/>
+                <a:cs typeface="Times New Roman" panose="02020603050405020304" pitchFamily="18" charset="0"/>
+              </a:rPr>
+              <a:t>03 :</a:t>
             </a:r>
             <a:endParaRPr lang="fr-FR" sz="3200" b="1" dirty="0">
               <a:effectLst/>
@@ -4302,182 +6150,93 @@
           </a:p>
         </p:txBody>
       </p:sp>
-      <mc:AlternateContent xmlns:mc="http://schemas.openxmlformats.org/markup-compatibility/2006">
-        <mc:Choice xmlns:a14="http://schemas.microsoft.com/office/drawing/2010/main" Requires="a14">
-          <p:sp>
-            <p:nvSpPr>
-              <p:cNvPr id="8" name="Rectangle 7"/>
-              <p:cNvSpPr/>
-              <p:nvPr/>
-            </p:nvSpPr>
-            <p:spPr>
-              <a:xfrm>
-                <a:off x="117391" y="1470664"/>
-                <a:ext cx="11966713" cy="3744423"/>
-              </a:xfrm>
-              <a:prstGeom prst="rect">
-                <a:avLst/>
-              </a:prstGeom>
-            </p:spPr>
-            <p:txBody>
-              <a:bodyPr wrap="square">
-                <a:spAutoFit/>
-              </a:bodyPr>
-              <a:lstStyle/>
-              <a:p>
-                <a:pPr marL="457200" lvl="0" indent="-457200" algn="r" rtl="1">
-                  <a:buFont typeface="Wingdings" panose="05000000000000000000" pitchFamily="2" charset="2"/>
-                  <a:buChar char="Ø"/>
-                </a:pPr>
-                <a:r>
-                  <a:rPr lang="ar-DZ" sz="3200" dirty="0"/>
-                  <a:t>برأيك، كيف نسمّي رمز باللغة الفرنسية ؟ </a:t>
-                </a:r>
-                <a:endParaRPr lang="fr-FR" sz="3200" dirty="0"/>
-              </a:p>
-              <a:p>
-                <a:pPr marL="457200" indent="-457200" algn="r" rtl="1">
-                  <a:buFont typeface="Wingdings" panose="05000000000000000000" pitchFamily="2" charset="2"/>
-                  <a:buChar char="Ø"/>
-                </a:pPr>
-                <a:r>
-                  <a:rPr lang="ar-DZ" sz="3200" dirty="0"/>
-                  <a:t>لنتوجه إلى الحاسوب ونحاول إدراج بعض هذه الرموز </a:t>
-                </a:r>
-                <a:r>
-                  <a:rPr lang="ar-DZ" sz="3200" dirty="0" smtClean="0"/>
-                  <a:t>؟</a:t>
-                </a:r>
-                <a:endParaRPr lang="fr-FR" sz="3200" dirty="0" smtClean="0"/>
-              </a:p>
-              <a:p>
-                <a:pPr marL="457200" indent="-457200" algn="r" rtl="1">
-                  <a:buFont typeface="Wingdings" panose="05000000000000000000" pitchFamily="2" charset="2"/>
-                  <a:buChar char="Ø"/>
-                </a:pPr>
-                <a:endParaRPr lang="fr-FR" sz="3200" dirty="0"/>
-              </a:p>
-              <a:p>
-                <a:pPr marL="457200" lvl="0" indent="-457200" algn="r" rtl="1">
-                  <a:buFont typeface="Wingdings" panose="05000000000000000000" pitchFamily="2" charset="2"/>
-                  <a:buChar char="Ø"/>
-                </a:pPr>
-                <a:r>
-                  <a:rPr lang="ar-DZ" sz="3200" dirty="0"/>
-                  <a:t>لنحاول إدراج هذا الكسر : </a:t>
-                </a:r>
-                <a14:m>
-                  <m:oMath xmlns:m="http://schemas.openxmlformats.org/officeDocument/2006/math">
-                    <m:f>
-                      <m:fPr>
-                        <m:ctrlPr>
-                          <a:rPr lang="fr-FR" sz="3200" i="1"/>
-                        </m:ctrlPr>
-                      </m:fPr>
-                      <m:num>
-                        <m:r>
-                          <a:rPr lang="fr-FR" sz="3200"/>
-                          <m:t>4</m:t>
-                        </m:r>
-                      </m:num>
-                      <m:den>
-                        <m:r>
-                          <a:rPr lang="fr-FR" sz="3200"/>
-                          <m:t>10</m:t>
-                        </m:r>
-                      </m:den>
-                    </m:f>
-                  </m:oMath>
-                </a14:m>
-                <a:endParaRPr lang="fr-FR" sz="3200" dirty="0"/>
-              </a:p>
-              <a:p>
-                <a:pPr marL="457200" lvl="0" indent="-457200" algn="r" rtl="1">
-                  <a:buFont typeface="Wingdings" panose="05000000000000000000" pitchFamily="2" charset="2"/>
-                  <a:buChar char="Ø"/>
-                </a:pPr>
-                <a:r>
-                  <a:rPr lang="ar-DZ" sz="3200" dirty="0"/>
-                  <a:t>ما التعليمة التي تسمح لنا بإدراج عبارة رياضية ؟ </a:t>
-                </a:r>
-                <a:endParaRPr lang="fr-FR" sz="3200" dirty="0"/>
-              </a:p>
-              <a:p>
-                <a:pPr marL="457200" lvl="0" indent="-457200" algn="r" rtl="1">
-                  <a:buFont typeface="Wingdings" panose="05000000000000000000" pitchFamily="2" charset="2"/>
-                  <a:buChar char="Ø"/>
-                </a:pPr>
-                <a:r>
-                  <a:rPr lang="ar-DZ" sz="3200" dirty="0"/>
-                  <a:t>ماذا تلاحظ عند الضغط على التعليمة </a:t>
-                </a:r>
-                <a:r>
-                  <a:rPr lang="fr-FR" sz="3200" dirty="0"/>
-                  <a:t>Equation</a:t>
-                </a:r>
-                <a:r>
-                  <a:rPr lang="ar-DZ" sz="3200" dirty="0"/>
-                  <a:t> ؟</a:t>
-                </a:r>
-                <a:endParaRPr lang="fr-FR" sz="3200" dirty="0"/>
-              </a:p>
-              <a:p>
-                <a:pPr marL="457200" indent="-457200" algn="r" rtl="1">
-                  <a:buFont typeface="Wingdings" panose="05000000000000000000" pitchFamily="2" charset="2"/>
-                  <a:buChar char="Ø"/>
-                </a:pPr>
-                <a:r>
-                  <a:rPr lang="ar-DZ" sz="3200" dirty="0"/>
-                  <a:t>لنبحث فيه عن كيفية إضافة كسر</a:t>
-                </a:r>
-                <a:endParaRPr lang="ar-DZ" sz="3200" dirty="0"/>
-              </a:p>
-            </p:txBody>
-          </p:sp>
-        </mc:Choice>
-        <mc:Fallback>
-          <p:sp>
-            <p:nvSpPr>
-              <p:cNvPr id="8" name="Rectangle 7"/>
-              <p:cNvSpPr>
-                <a:spLocks noRot="1" noChangeAspect="1" noMove="1" noResize="1" noEditPoints="1" noAdjustHandles="1" noChangeArrowheads="1" noChangeShapeType="1" noTextEdit="1"/>
-              </p:cNvSpPr>
-              <p:nvPr/>
-            </p:nvSpPr>
-            <p:spPr>
-              <a:xfrm>
-                <a:off x="117391" y="1470664"/>
-                <a:ext cx="11966713" cy="3744423"/>
-              </a:xfrm>
-              <a:prstGeom prst="rect">
-                <a:avLst/>
-              </a:prstGeom>
-              <a:blipFill rotWithShape="0">
-                <a:blip r:embed="rId3"/>
-                <a:stretch>
-                  <a:fillRect t="-2443" r="-1223" b="-4397"/>
-                </a:stretch>
-              </a:blipFill>
-            </p:spPr>
-            <p:txBody>
-              <a:bodyPr/>
-              <a:lstStyle/>
-              <a:p>
-                <a:r>
-                  <a:rPr lang="fr-FR">
-                    <a:noFill/>
-                  </a:rPr>
-                  <a:t> </a:t>
-                </a:r>
-              </a:p>
-            </p:txBody>
-          </p:sp>
-        </mc:Fallback>
-      </mc:AlternateContent>
+      <p:sp>
+        <p:nvSpPr>
+          <p:cNvPr id="8" name="Rectangle 7"/>
+          <p:cNvSpPr/>
+          <p:nvPr/>
+        </p:nvSpPr>
+        <p:spPr>
+          <a:xfrm>
+            <a:off x="185530" y="171886"/>
+            <a:ext cx="9518818" cy="1569660"/>
+          </a:xfrm>
+          <a:prstGeom prst="rect">
+            <a:avLst/>
+          </a:prstGeom>
+        </p:spPr>
+        <p:txBody>
+          <a:bodyPr wrap="square">
+            <a:spAutoFit/>
+          </a:bodyPr>
+          <a:lstStyle/>
+          <a:p>
+            <a:pPr algn="r" rtl="1"/>
+            <a:r>
+              <a:rPr lang="ar-DZ" sz="3200" dirty="0"/>
+              <a:t>كيف نسمي هذه </a:t>
+            </a:r>
+            <a:r>
+              <a:rPr lang="ar-DZ" sz="3200" dirty="0" smtClean="0"/>
+              <a:t>الصورة </a:t>
+            </a:r>
+            <a:r>
+              <a:rPr lang="ar-DZ" sz="3200" dirty="0"/>
+              <a:t>التي تظهر بعد فتح البرنامج </a:t>
+            </a:r>
+            <a:r>
+              <a:rPr lang="ar-DZ" sz="3200" dirty="0" smtClean="0"/>
+              <a:t>؟</a:t>
+            </a:r>
+            <a:endParaRPr lang="fr-FR" sz="3200" dirty="0" smtClean="0"/>
+          </a:p>
+          <a:p>
+            <a:pPr algn="r" rtl="1"/>
+            <a:r>
+              <a:rPr lang="ar-DZ" sz="3200" dirty="0"/>
+              <a:t>ضع كل قصاصة في الرقم المناسب من الواجهة.</a:t>
+            </a:r>
+          </a:p>
+          <a:p>
+            <a:pPr algn="r" rtl="1"/>
+            <a:endParaRPr lang="ar-DZ" sz="3200" dirty="0"/>
+          </a:p>
+        </p:txBody>
+      </p:sp>
+      <p:pic>
+        <p:nvPicPr>
+          <p:cNvPr id="14" name="Image 13"/>
+          <p:cNvPicPr>
+            <a:picLocks noChangeAspect="1"/>
+          </p:cNvPicPr>
+          <p:nvPr/>
+        </p:nvPicPr>
+        <p:blipFill>
+          <a:blip r:embed="rId3">
+            <a:extLst>
+              <a:ext uri="{28A0092B-C50C-407E-A947-70E740481C1C}">
+                <a14:useLocalDpi xmlns:a14="http://schemas.microsoft.com/office/drawing/2010/main" val="0"/>
+              </a:ext>
+            </a:extLst>
+          </a:blip>
+          <a:stretch>
+            <a:fillRect/>
+          </a:stretch>
+        </p:blipFill>
+        <p:spPr>
+          <a:xfrm>
+            <a:off x="2292626" y="1276525"/>
+            <a:ext cx="8216347" cy="5581475"/>
+          </a:xfrm>
+          <a:prstGeom prst="rect">
+            <a:avLst/>
+          </a:prstGeom>
+        </p:spPr>
+      </p:pic>
     </p:spTree>
     <p:extLst>
       <p:ext uri="{BB962C8B-B14F-4D97-AF65-F5344CB8AC3E}">
-        <p14:creationId xmlns:p14="http://schemas.microsoft.com/office/powerpoint/2010/main" val="3692245190"/>
+        <p14:creationId xmlns:p14="http://schemas.microsoft.com/office/powerpoint/2010/main" val="2998612834"/>
       </p:ext>
     </p:extLst>
   </p:cSld>
@@ -4497,7 +6256,143 @@
 </p:sld>
 </file>
 
-<file path=ppt/slides/slide4.xml><?xml version="1.0" encoding="utf-8"?>
+<file path=ppt/slides/slide7.xml><?xml version="1.0" encoding="utf-8"?>
+<p:sld xmlns:a="http://schemas.openxmlformats.org/drawingml/2006/main" xmlns:r="http://schemas.openxmlformats.org/officeDocument/2006/relationships" xmlns:p="http://schemas.openxmlformats.org/presentationml/2006/main">
+  <p:cSld>
+    <p:bg>
+      <p:bgPr>
+        <a:solidFill>
+          <a:schemeClr val="bg1"/>
+        </a:solidFill>
+        <a:effectLst/>
+      </p:bgPr>
+    </p:bg>
+    <p:spTree>
+      <p:nvGrpSpPr>
+        <p:cNvPr id="1" name=""/>
+        <p:cNvGrpSpPr/>
+        <p:nvPr/>
+      </p:nvGrpSpPr>
+      <p:grpSpPr>
+        <a:xfrm>
+          <a:off x="0" y="0"/>
+          <a:ext cx="0" cy="0"/>
+          <a:chOff x="0" y="0"/>
+          <a:chExt cx="0" cy="0"/>
+        </a:xfrm>
+      </p:grpSpPr>
+      <p:sp>
+        <p:nvSpPr>
+          <p:cNvPr id="4" name="Rectangle 3"/>
+          <p:cNvSpPr/>
+          <p:nvPr/>
+        </p:nvSpPr>
+        <p:spPr>
+          <a:xfrm>
+            <a:off x="0" y="7772"/>
+            <a:ext cx="11970469" cy="755400"/>
+          </a:xfrm>
+          <a:prstGeom prst="rect">
+            <a:avLst/>
+          </a:prstGeom>
+        </p:spPr>
+        <p:txBody>
+          <a:bodyPr wrap="square">
+            <a:spAutoFit/>
+          </a:bodyPr>
+          <a:lstStyle/>
+          <a:p>
+            <a:pPr algn="r" rtl="1">
+              <a:lnSpc>
+                <a:spcPct val="115000"/>
+              </a:lnSpc>
+              <a:spcAft>
+                <a:spcPts val="1000"/>
+              </a:spcAft>
+            </a:pPr>
+            <a:r>
+              <a:rPr lang="ar-DZ" sz="4000" b="1" u="sng" dirty="0" smtClean="0">
+                <a:solidFill>
+                  <a:srgbClr val="FF0000"/>
+                </a:solidFill>
+                <a:latin typeface="Calibri" panose="020F0502020204030204" pitchFamily="34" charset="0"/>
+                <a:ea typeface="Times New Roman" panose="02020603050405020304" pitchFamily="18" charset="0"/>
+                <a:cs typeface="Times New Roman" panose="02020603050405020304" pitchFamily="18" charset="0"/>
+              </a:rPr>
+              <a:t>نشاط </a:t>
+            </a:r>
+            <a:r>
+              <a:rPr lang="ar-DZ" sz="4000" b="1" u="sng" dirty="0" smtClean="0">
+                <a:solidFill>
+                  <a:srgbClr val="FF0000"/>
+                </a:solidFill>
+                <a:latin typeface="Calibri" panose="020F0502020204030204" pitchFamily="34" charset="0"/>
+                <a:ea typeface="Times New Roman" panose="02020603050405020304" pitchFamily="18" charset="0"/>
+                <a:cs typeface="Times New Roman" panose="02020603050405020304" pitchFamily="18" charset="0"/>
+              </a:rPr>
+              <a:t>03 :</a:t>
+            </a:r>
+            <a:endParaRPr lang="fr-FR" sz="3200" b="1" dirty="0">
+              <a:effectLst/>
+              <a:latin typeface="Calibri" panose="020F0502020204030204" pitchFamily="34" charset="0"/>
+              <a:ea typeface="Times New Roman" panose="02020603050405020304" pitchFamily="18" charset="0"/>
+              <a:cs typeface="Arial" panose="020B0604020202020204" pitchFamily="34" charset="0"/>
+            </a:endParaRPr>
+          </a:p>
+        </p:txBody>
+      </p:sp>
+      <p:pic>
+        <p:nvPicPr>
+          <p:cNvPr id="5" name="Image 4"/>
+          <p:cNvPicPr/>
+          <p:nvPr/>
+        </p:nvPicPr>
+        <p:blipFill>
+          <a:blip r:embed="rId3" cstate="print">
+            <a:extLst>
+              <a:ext uri="{28A0092B-C50C-407E-A947-70E740481C1C}">
+                <a14:useLocalDpi xmlns:a14="http://schemas.microsoft.com/office/drawing/2010/main" val="0"/>
+              </a:ext>
+            </a:extLst>
+          </a:blip>
+          <a:stretch>
+            <a:fillRect/>
+          </a:stretch>
+        </p:blipFill>
+        <p:spPr>
+          <a:xfrm>
+            <a:off x="198783" y="763172"/>
+            <a:ext cx="11771685" cy="5915924"/>
+          </a:xfrm>
+          <a:prstGeom prst="rect">
+            <a:avLst/>
+          </a:prstGeom>
+        </p:spPr>
+      </p:pic>
+    </p:spTree>
+    <p:extLst>
+      <p:ext uri="{BB962C8B-B14F-4D97-AF65-F5344CB8AC3E}">
+        <p14:creationId xmlns:p14="http://schemas.microsoft.com/office/powerpoint/2010/main" val="1367651138"/>
+      </p:ext>
+    </p:extLst>
+  </p:cSld>
+  <p:clrMapOvr>
+    <a:masterClrMapping/>
+  </p:clrMapOvr>
+  <p:transition spd="slow">
+    <p:push dir="u"/>
+  </p:transition>
+  <p:timing>
+    <p:tnLst>
+      <p:par>
+        <p:cTn id="1" dur="indefinite" restart="never" nodeType="tmRoot"/>
+      </p:par>
+    </p:tnLst>
+  </p:timing>
+</p:sld>
+</file>
+
+<file path=ppt/slides/slide8.xml><?xml version="1.0" encoding="utf-8"?>
 <p:sld xmlns:a="http://schemas.openxmlformats.org/drawingml/2006/main" xmlns:r="http://schemas.openxmlformats.org/officeDocument/2006/relationships" xmlns:p="http://schemas.openxmlformats.org/presentationml/2006/main">
   <p:cSld>
     <p:bg>
@@ -4543,7 +6438,7 @@
         <p:spPr>
           <a:xfrm>
             <a:off x="86536" y="255756"/>
-            <a:ext cx="11780804" cy="5940088"/>
+            <a:ext cx="11780804" cy="5196294"/>
           </a:xfrm>
           <a:prstGeom prst="rect">
             <a:avLst/>
@@ -4555,10 +6450,20 @@
           </a:bodyPr>
           <a:lstStyle/>
           <a:p>
-            <a:pPr algn="r" rtl="1">
+            <a:pPr lvl="0" algn="r" rtl="1">
+              <a:lnSpc>
+                <a:spcPct val="115000"/>
+              </a:lnSpc>
               <a:spcAft>
                 <a:spcPts val="800"/>
               </a:spcAft>
+              <a:buClr>
+                <a:srgbClr val="FF0000"/>
+              </a:buClr>
+              <a:buSzPts val="1600"/>
+              <a:tabLst>
+                <a:tab pos="561340" algn="l"/>
+              </a:tabLst>
             </a:pPr>
             <a:r>
               <a:rPr lang="ar-DZ" sz="3200" b="1" u="sng" dirty="0">
@@ -4566,7 +6471,55 @@
                   <a:srgbClr val="FF0000"/>
                 </a:solidFill>
               </a:rPr>
-              <a:t>1- إدراج </a:t>
+              <a:t>1- </a:t>
+            </a:r>
+            <a:r>
+              <a:rPr lang="ar-DZ" sz="3200" b="1" u="sng" dirty="0">
+                <a:solidFill>
+                  <a:srgbClr val="FF0000"/>
+                </a:solidFill>
+              </a:rPr>
+              <a:t>مفهوم</a:t>
+            </a:r>
+            <a:r>
+              <a:rPr lang="ar-SA" sz="3200" b="1" u="sng" dirty="0">
+                <a:solidFill>
+                  <a:srgbClr val="FF0000"/>
+                </a:solidFill>
+              </a:rPr>
+              <a:t> برنامج </a:t>
+            </a:r>
+            <a:r>
+              <a:rPr lang="ar-SA" sz="3200" b="1" u="sng" dirty="0" err="1">
+                <a:solidFill>
+                  <a:srgbClr val="FF0000"/>
+                </a:solidFill>
+              </a:rPr>
+              <a:t>سكراش</a:t>
+            </a:r>
+            <a:r>
+              <a:rPr lang="ar-SA" sz="3200" b="1" u="sng" dirty="0">
+                <a:solidFill>
+                  <a:srgbClr val="FF0000"/>
+                </a:solidFill>
+              </a:rPr>
+              <a:t> (</a:t>
+            </a:r>
+            <a:r>
+              <a:rPr lang="fr-FR" sz="3200" b="1" u="sng" dirty="0">
+                <a:solidFill>
+                  <a:srgbClr val="FF0000"/>
+                </a:solidFill>
+              </a:rPr>
+              <a:t>Scratch</a:t>
+            </a:r>
+            <a:r>
+              <a:rPr lang="ar-SA" sz="3200" b="1" u="sng" dirty="0">
+                <a:solidFill>
+                  <a:srgbClr val="FF0000"/>
+                </a:solidFill>
+              </a:rPr>
+              <a:t>) </a:t>
             </a:r>
             <a:r>
               <a:rPr lang="ar-DZ" sz="3200" b="1" u="sng" dirty="0" smtClean="0">
@@ -4574,155 +6527,53 @@
                   <a:srgbClr val="FF0000"/>
                 </a:solidFill>
               </a:rPr>
-              <a:t>الرموز </a:t>
-            </a:r>
-            <a:r>
-              <a:rPr lang="fr-FR" sz="3200" b="1" u="sng" dirty="0" smtClean="0">
-                <a:solidFill>
-                  <a:srgbClr val="FF0000"/>
-                </a:solidFill>
-              </a:rPr>
-              <a:t>Symboles</a:t>
-            </a:r>
-            <a:r>
-              <a:rPr lang="ar-DZ" sz="3200" b="1" u="sng" dirty="0" smtClean="0">
-                <a:solidFill>
-                  <a:srgbClr val="FF0000"/>
-                </a:solidFill>
-              </a:rPr>
-              <a:t> :</a:t>
-            </a:r>
-            <a:endParaRPr lang="fr-FR" sz="3200" b="1" dirty="0">
+              <a:t>:</a:t>
+            </a:r>
+            <a:endParaRPr lang="fr-FR" sz="2000" b="1" dirty="0" smtClean="0">
               <a:solidFill>
                 <a:srgbClr val="FF0000"/>
               </a:solidFill>
+              <a:latin typeface="Calibri" panose="020F0502020204030204" pitchFamily="34" charset="0"/>
+              <a:cs typeface="Arial" panose="020B0604020202020204" pitchFamily="34" charset="0"/>
             </a:endParaRPr>
           </a:p>
           <a:p>
-            <a:pPr marL="457200" indent="-457200" algn="r" rtl="1">
+            <a:pPr lvl="0" algn="r" rtl="1">
+              <a:lnSpc>
+                <a:spcPct val="115000"/>
+              </a:lnSpc>
               <a:spcAft>
                 <a:spcPts val="800"/>
               </a:spcAft>
-              <a:buFont typeface="Arial" panose="020B0604020202020204" pitchFamily="34" charset="0"/>
-              <a:buChar char="•"/>
-            </a:pPr>
-            <a:r>
-              <a:rPr lang="ar-DZ" sz="3200" dirty="0" smtClean="0"/>
-              <a:t>ت</a:t>
-            </a:r>
-            <a:r>
-              <a:rPr lang="ar-SA" sz="3200" dirty="0"/>
-              <a:t>بويب الإدراج</a:t>
-            </a:r>
-            <a:r>
-              <a:rPr lang="ar-DZ" sz="3200" dirty="0"/>
-              <a:t> (</a:t>
-            </a:r>
-            <a:r>
-              <a:rPr lang="fr-FR" sz="3200" dirty="0"/>
-              <a:t>Insertion</a:t>
-            </a:r>
-            <a:r>
-              <a:rPr lang="ar-DZ" sz="3200" dirty="0"/>
-              <a:t>)</a:t>
-            </a:r>
-            <a:endParaRPr lang="fr-FR" sz="3200" dirty="0"/>
-          </a:p>
-          <a:p>
-            <a:pPr marL="457200" indent="-457200" algn="r" rtl="1">
-              <a:spcAft>
-                <a:spcPts val="800"/>
-              </a:spcAft>
-              <a:buFont typeface="Arial" panose="020B0604020202020204" pitchFamily="34" charset="0"/>
-              <a:buChar char="•"/>
-            </a:pPr>
-            <a:r>
-              <a:rPr lang="ar-DZ" sz="3200" dirty="0" smtClean="0"/>
-              <a:t>التعليمة </a:t>
-            </a:r>
-            <a:r>
-              <a:rPr lang="ar-DZ" sz="3200" dirty="0"/>
-              <a:t>رمز</a:t>
-            </a:r>
-            <a:r>
-              <a:rPr lang="fr-FR" sz="3200" dirty="0"/>
-              <a:t>  </a:t>
-            </a:r>
-            <a:r>
-              <a:rPr lang="ar-DZ" sz="3200" dirty="0"/>
-              <a:t> (</a:t>
-            </a:r>
-            <a:r>
-              <a:rPr lang="fr-FR" sz="3200" dirty="0"/>
-              <a:t>Symbole</a:t>
-            </a:r>
-            <a:r>
-              <a:rPr lang="ar-DZ" sz="3200" dirty="0"/>
-              <a:t>)</a:t>
-            </a:r>
-            <a:endParaRPr lang="fr-FR" sz="3200" dirty="0"/>
-          </a:p>
-          <a:p>
-            <a:pPr marL="457200" indent="-457200" algn="r" rtl="1">
-              <a:spcAft>
-                <a:spcPts val="800"/>
-              </a:spcAft>
-              <a:buFont typeface="Arial" panose="020B0604020202020204" pitchFamily="34" charset="0"/>
-              <a:buChar char="•"/>
+              <a:buClr>
+                <a:srgbClr val="FF0000"/>
+              </a:buClr>
+              <a:buSzPts val="1600"/>
               <a:tabLst>
                 <a:tab pos="561340" algn="l"/>
               </a:tabLst>
             </a:pPr>
             <a:r>
               <a:rPr lang="ar-SA" sz="3200" dirty="0" smtClean="0"/>
-              <a:t>رموز </a:t>
+              <a:t>هي </a:t>
             </a:r>
             <a:r>
               <a:rPr lang="ar-SA" sz="3200" dirty="0"/>
-              <a:t>أخرى (</a:t>
-            </a:r>
-            <a:r>
-              <a:rPr lang="fr-FR" sz="3200" dirty="0"/>
-              <a:t>Autres Symboles</a:t>
+              <a:t>لغة برمجية تسمح بإنشاء ألعاب، رسوم متحركة </a:t>
+            </a:r>
+            <a:r>
+              <a:rPr lang="ar-DZ" sz="3200" dirty="0"/>
+              <a:t>و </a:t>
             </a:r>
             <a:r>
               <a:rPr lang="ar-SA" sz="3200" dirty="0"/>
-              <a:t>)</a:t>
-            </a:r>
-            <a:endParaRPr lang="fr-FR" sz="3200" dirty="0"/>
-          </a:p>
-          <a:p>
-            <a:pPr marL="457200" indent="-457200" algn="r" rtl="1">
-              <a:spcAft>
-                <a:spcPts val="800"/>
-              </a:spcAft>
-              <a:buFont typeface="Arial" panose="020B0604020202020204" pitchFamily="34" charset="0"/>
-              <a:buChar char="•"/>
-              <a:tabLst>
-                <a:tab pos="561340" algn="l"/>
-              </a:tabLst>
-            </a:pPr>
-            <a:r>
-              <a:rPr lang="ar-DZ" sz="3200" dirty="0" smtClean="0"/>
-              <a:t>نبحث </a:t>
-            </a:r>
-            <a:r>
-              <a:rPr lang="ar-DZ" sz="3200" dirty="0"/>
-              <a:t>على</a:t>
-            </a:r>
-            <a:r>
-              <a:rPr lang="ar-SA" sz="3200" dirty="0"/>
-              <a:t> الرمز الذي نريده ثم ننقر على (</a:t>
-            </a:r>
-            <a:r>
-              <a:rPr lang="fr-FR" sz="3200" dirty="0"/>
-              <a:t>Insérer</a:t>
-            </a:r>
-            <a:r>
-              <a:rPr lang="ar-SA" sz="3200" dirty="0" smtClean="0"/>
-              <a:t>)</a:t>
-            </a:r>
-            <a:endParaRPr lang="fr-FR" sz="3200" dirty="0"/>
+              <a:t>قصص تعليمية.</a:t>
+            </a:r>
+            <a:endParaRPr lang="fr-FR" sz="2400" dirty="0">
+              <a:latin typeface="Calibri" panose="020F0502020204030204" pitchFamily="34" charset="0"/>
+              <a:ea typeface="Calibri" panose="020F0502020204030204" pitchFamily="34" charset="0"/>
+              <a:cs typeface="Arial" panose="020B0604020202020204" pitchFamily="34" charset="0"/>
+            </a:endParaRPr>
           </a:p>
           <a:p>
             <a:pPr algn="r" rtl="1">
@@ -4746,215 +6597,129 @@
               </a:spcAft>
             </a:pPr>
             <a:r>
-              <a:rPr lang="ar-DZ" sz="3200" b="1" u="sng" dirty="0">
+              <a:rPr lang="ar-DZ" sz="3200" b="1" u="sng" dirty="0" smtClean="0">
                 <a:solidFill>
                   <a:srgbClr val="FF0000"/>
                 </a:solidFill>
               </a:rPr>
-              <a:t>2- إدراج عبارات رياضية :</a:t>
-            </a:r>
-            <a:endParaRPr lang="fr-FR" sz="3200" b="1" dirty="0">
-              <a:solidFill>
-                <a:srgbClr val="FF0000"/>
-              </a:solidFill>
+              <a:t>2-</a:t>
+            </a:r>
+            <a:r>
+              <a:rPr lang="fr-FR" sz="3200" b="1" u="sng" dirty="0" smtClean="0">
+                <a:solidFill>
+                  <a:srgbClr val="FF0000"/>
+                </a:solidFill>
+              </a:rPr>
+              <a:t> </a:t>
+            </a:r>
+            <a:r>
+              <a:rPr lang="ar-DZ" sz="3200" b="1" u="sng" dirty="0" smtClean="0">
+                <a:solidFill>
+                  <a:srgbClr val="FF0000"/>
+                </a:solidFill>
+              </a:rPr>
+              <a:t>طرق تشغيل برنامج </a:t>
+            </a:r>
+            <a:r>
+              <a:rPr lang="ar-DZ" sz="3200" b="1" u="sng" dirty="0" err="1" smtClean="0">
+                <a:solidFill>
+                  <a:srgbClr val="FF0000"/>
+                </a:solidFill>
+              </a:rPr>
+              <a:t>سكراتش</a:t>
+            </a:r>
+            <a:r>
+              <a:rPr lang="ar-DZ" sz="3200" b="1" u="sng" dirty="0" smtClean="0">
+                <a:solidFill>
+                  <a:srgbClr val="FF0000"/>
+                </a:solidFill>
+              </a:rPr>
+              <a:t> :</a:t>
+            </a:r>
+          </a:p>
+          <a:p>
+            <a:pPr marL="514350" lvl="0" indent="-514350" algn="r" rtl="1">
+              <a:lnSpc>
+                <a:spcPct val="115000"/>
+              </a:lnSpc>
+              <a:spcAft>
+                <a:spcPts val="1000"/>
+              </a:spcAft>
+              <a:buFont typeface="+mj-lt"/>
+              <a:buAutoNum type="arabicPeriod"/>
+            </a:pPr>
+            <a:r>
+              <a:rPr lang="ar-DZ" sz="3200" dirty="0"/>
+              <a:t>انقر مرتين على اختصاره الموجود على سطح المكتب</a:t>
+            </a:r>
+            <a:endParaRPr lang="fr-FR" sz="2400" dirty="0"/>
+          </a:p>
+          <a:p>
+            <a:pPr marL="514350" lvl="0" indent="-514350" algn="r" rtl="1">
+              <a:lnSpc>
+                <a:spcPct val="115000"/>
+              </a:lnSpc>
+              <a:spcAft>
+                <a:spcPts val="1000"/>
+              </a:spcAft>
+              <a:buFont typeface="+mj-lt"/>
+              <a:buAutoNum type="arabicPeriod"/>
+            </a:pPr>
+            <a:r>
+              <a:rPr lang="ar-DZ" sz="3200" dirty="0"/>
+              <a:t>او انقر على ايقونته المتواجدة على شريط المهام</a:t>
+            </a:r>
+            <a:endParaRPr lang="fr-FR" sz="2400" dirty="0"/>
+          </a:p>
+          <a:p>
+            <a:pPr marL="514350" lvl="0" indent="-514350" algn="r" rtl="1">
+              <a:lnSpc>
+                <a:spcPct val="115000"/>
+              </a:lnSpc>
+              <a:spcAft>
+                <a:spcPts val="1000"/>
+              </a:spcAft>
+              <a:buFont typeface="+mj-lt"/>
+              <a:buAutoNum type="arabicPeriod"/>
+            </a:pPr>
+            <a:r>
+              <a:rPr lang="ar-DZ" sz="3200" dirty="0"/>
+              <a:t>او انقر على </a:t>
+            </a:r>
+            <a:r>
+              <a:rPr lang="fr-FR" sz="3200" dirty="0"/>
+              <a:t>Démarrer</a:t>
+            </a:r>
+            <a:r>
+              <a:rPr lang="ar-DZ" sz="3200" dirty="0"/>
+              <a:t> ثم اكتب </a:t>
+            </a:r>
+            <a:r>
+              <a:rPr lang="fr-FR" sz="3200" dirty="0"/>
+              <a:t>Scratch</a:t>
+            </a:r>
+            <a:r>
+              <a:rPr lang="ar-DZ" sz="3200" dirty="0"/>
+              <a:t> ثم انقر على أيقونته عندما تظهر</a:t>
+            </a:r>
+            <a:endParaRPr lang="fr-FR" sz="2400" dirty="0">
+              <a:latin typeface="Calibri" panose="020F0502020204030204" pitchFamily="34" charset="0"/>
+              <a:ea typeface="Calibri" panose="020F0502020204030204" pitchFamily="34" charset="0"/>
+              <a:cs typeface="Arial" panose="020B0604020202020204" pitchFamily="34" charset="0"/>
             </a:endParaRPr>
           </a:p>
           <a:p>
-            <a:pPr marL="457200" indent="-457200" algn="r" rtl="1">
+            <a:pPr algn="r" rtl="1">
               <a:spcAft>
                 <a:spcPts val="800"/>
               </a:spcAft>
-              <a:buFont typeface="Arial" panose="020B0604020202020204" pitchFamily="34" charset="0"/>
-              <a:buChar char="•"/>
             </a:pPr>
-            <a:r>
-              <a:rPr lang="ar-DZ" sz="3200" dirty="0" smtClean="0"/>
-              <a:t>ت</a:t>
-            </a:r>
-            <a:r>
-              <a:rPr lang="ar-SA" sz="3200" dirty="0" smtClean="0"/>
-              <a:t>بويب </a:t>
-            </a:r>
-            <a:r>
-              <a:rPr lang="ar-SA" sz="3200" dirty="0"/>
-              <a:t>الإدراج </a:t>
-            </a:r>
-            <a:r>
-              <a:rPr lang="ar-DZ" sz="3200" dirty="0"/>
-              <a:t>(</a:t>
-            </a:r>
-            <a:r>
-              <a:rPr lang="fr-FR" sz="3200" dirty="0"/>
-              <a:t>Insertion</a:t>
-            </a:r>
-            <a:r>
-              <a:rPr lang="ar-DZ" sz="3200" dirty="0"/>
-              <a:t>)</a:t>
-            </a:r>
-            <a:endParaRPr lang="fr-FR" sz="3200" dirty="0"/>
-          </a:p>
-          <a:p>
-            <a:pPr marL="457200" indent="-457200" algn="r" rtl="1">
-              <a:spcAft>
-                <a:spcPts val="800"/>
-              </a:spcAft>
-              <a:buFont typeface="Arial" panose="020B0604020202020204" pitchFamily="34" charset="0"/>
-              <a:buChar char="•"/>
-            </a:pPr>
-            <a:r>
-              <a:rPr lang="ar-DZ" sz="3200" dirty="0" smtClean="0"/>
-              <a:t>التعليمة </a:t>
-            </a:r>
-            <a:r>
-              <a:rPr lang="ar-DZ" sz="3200" dirty="0"/>
-              <a:t>معادلة (</a:t>
-            </a:r>
-            <a:r>
-              <a:rPr lang="fr-FR" sz="3200" dirty="0"/>
-              <a:t>Equation</a:t>
-            </a:r>
-            <a:r>
-              <a:rPr lang="ar-DZ" sz="3200" dirty="0" smtClean="0"/>
-              <a:t>)</a:t>
-            </a:r>
-            <a:endParaRPr lang="fr-FR" sz="3200" dirty="0" smtClean="0"/>
-          </a:p>
-          <a:p>
-            <a:pPr marL="457200" lvl="0" indent="-457200" algn="r" rtl="1">
-              <a:spcAft>
-                <a:spcPts val="800"/>
-              </a:spcAft>
-              <a:buFont typeface="Arial" panose="020B0604020202020204" pitchFamily="34" charset="0"/>
-              <a:buChar char="•"/>
-            </a:pPr>
-            <a:r>
-              <a:rPr lang="ar-DZ" sz="3200" dirty="0" smtClean="0">
-                <a:latin typeface="Times New Roman" panose="02020603050405020304" pitchFamily="18" charset="0"/>
-                <a:ea typeface="Calibri" panose="020F0502020204030204" pitchFamily="34" charset="0"/>
-                <a:cs typeface="Times New Roman" panose="02020603050405020304" pitchFamily="18" charset="0"/>
-              </a:rPr>
-              <a:t>نكتب </a:t>
-            </a:r>
-            <a:r>
-              <a:rPr lang="ar-DZ" sz="3200" dirty="0">
-                <a:latin typeface="Times New Roman" panose="02020603050405020304" pitchFamily="18" charset="0"/>
-                <a:ea typeface="Calibri" panose="020F0502020204030204" pitchFamily="34" charset="0"/>
-                <a:cs typeface="Times New Roman" panose="02020603050405020304" pitchFamily="18" charset="0"/>
-              </a:rPr>
-              <a:t>العبارة التي نريدها بالاعتماد على التبويب الجديد</a:t>
-            </a:r>
-            <a:r>
-              <a:rPr lang="fr-FR" sz="3200" dirty="0">
-                <a:latin typeface="Times New Roman" panose="02020603050405020304" pitchFamily="18" charset="0"/>
-                <a:ea typeface="Calibri" panose="020F0502020204030204" pitchFamily="34" charset="0"/>
-                <a:cs typeface="Times New Roman" panose="02020603050405020304" pitchFamily="18" charset="0"/>
-              </a:rPr>
-              <a:t> </a:t>
-            </a:r>
-            <a:r>
-              <a:rPr lang="fr-FR" sz="3200" dirty="0" smtClean="0">
-                <a:latin typeface="Times New Roman" panose="02020603050405020304" pitchFamily="18" charset="0"/>
-                <a:ea typeface="Calibri" panose="020F0502020204030204" pitchFamily="34" charset="0"/>
-                <a:cs typeface="Times New Roman" panose="02020603050405020304" pitchFamily="18" charset="0"/>
-              </a:rPr>
-              <a:t>Conception</a:t>
-            </a:r>
-            <a:r>
-              <a:rPr lang="fr-FR" sz="3200" dirty="0">
-                <a:latin typeface="Times New Roman" panose="02020603050405020304" pitchFamily="18" charset="0"/>
-                <a:ea typeface="Calibri" panose="020F0502020204030204" pitchFamily="34" charset="0"/>
-                <a:cs typeface="Times New Roman" panose="02020603050405020304" pitchFamily="18" charset="0"/>
-              </a:rPr>
-              <a:t> </a:t>
-            </a:r>
             <a:endParaRPr lang="fr-FR" sz="3200" dirty="0">
               <a:latin typeface="Arial" panose="020B0604020202020204" pitchFamily="34" charset="0"/>
             </a:endParaRPr>
           </a:p>
         </p:txBody>
       </p:sp>
-      <p:pic>
-        <p:nvPicPr>
-          <p:cNvPr id="2049" name="Image 10"/>
-          <p:cNvPicPr>
-            <a:picLocks noChangeAspect="1" noChangeArrowheads="1"/>
-          </p:cNvPicPr>
-          <p:nvPr/>
-        </p:nvPicPr>
-        <p:blipFill>
-          <a:blip r:embed="rId2">
-            <a:extLst>
-              <a:ext uri="{28A0092B-C50C-407E-A947-70E740481C1C}">
-                <a14:useLocalDpi xmlns:a14="http://schemas.microsoft.com/office/drawing/2010/main" val="0"/>
-              </a:ext>
-            </a:extLst>
-          </a:blip>
-          <a:srcRect/>
-          <a:stretch>
-            <a:fillRect/>
-          </a:stretch>
-        </p:blipFill>
-        <p:spPr bwMode="auto">
-          <a:xfrm>
-            <a:off x="6891129" y="5042115"/>
-            <a:ext cx="595588" cy="465959"/>
-          </a:xfrm>
-          <a:prstGeom prst="rect">
-            <a:avLst/>
-          </a:prstGeom>
-          <a:noFill/>
-          <a:extLst>
-            <a:ext uri="{909E8E84-426E-40DD-AFC4-6F175D3DCCD1}">
-              <a14:hiddenFill xmlns:a14="http://schemas.microsoft.com/office/drawing/2010/main">
-                <a:solidFill>
-                  <a:srgbClr val="FFFFFF"/>
-                </a:solidFill>
-              </a14:hiddenFill>
-            </a:ext>
-          </a:extLst>
-        </p:spPr>
-      </p:pic>
-      <p:pic>
-        <p:nvPicPr>
-          <p:cNvPr id="2050" name="Image 9"/>
-          <p:cNvPicPr>
-            <a:picLocks noChangeAspect="1" noChangeArrowheads="1"/>
-          </p:cNvPicPr>
-          <p:nvPr/>
-        </p:nvPicPr>
-        <p:blipFill>
-          <a:blip r:embed="rId3">
-            <a:extLst>
-              <a:ext uri="{28A0092B-C50C-407E-A947-70E740481C1C}">
-                <a14:useLocalDpi xmlns:a14="http://schemas.microsoft.com/office/drawing/2010/main" val="0"/>
-              </a:ext>
-            </a:extLst>
-          </a:blip>
-          <a:srcRect/>
-          <a:stretch>
-            <a:fillRect/>
-          </a:stretch>
-        </p:blipFill>
-        <p:spPr bwMode="auto">
-          <a:xfrm>
-            <a:off x="6891129" y="1444487"/>
-            <a:ext cx="724872" cy="611740"/>
-          </a:xfrm>
-          <a:prstGeom prst="rect">
-            <a:avLst/>
-          </a:prstGeom>
-          <a:noFill/>
-          <a:extLst>
-            <a:ext uri="{909E8E84-426E-40DD-AFC4-6F175D3DCCD1}">
-              <a14:hiddenFill xmlns:a14="http://schemas.microsoft.com/office/drawing/2010/main">
-                <a:solidFill>
-                  <a:srgbClr val="FFFFFF"/>
-                </a:solidFill>
-              </a14:hiddenFill>
-            </a:ext>
-          </a:extLst>
-        </p:spPr>
-      </p:pic>
     </p:spTree>
     <p:extLst>
       <p:ext uri="{BB962C8B-B14F-4D97-AF65-F5344CB8AC3E}">
@@ -4975,14 +6740,26 @@
 </p:sld>
 </file>
 
-<file path=ppt/slides/slide5.xml><?xml version="1.0" encoding="utf-8"?>
+<file path=ppt/slides/slide9.xml><?xml version="1.0" encoding="utf-8"?>
 <p:sld xmlns:a="http://schemas.openxmlformats.org/drawingml/2006/main" xmlns:r="http://schemas.openxmlformats.org/officeDocument/2006/relationships" xmlns:p="http://schemas.openxmlformats.org/presentationml/2006/main">
   <p:cSld>
     <p:bg>
       <p:bgPr>
-        <a:solidFill>
-          <a:schemeClr val="bg1"/>
-        </a:solidFill>
+        <a:gradFill flip="none" rotWithShape="1">
+          <a:gsLst>
+            <a:gs pos="0">
+              <a:schemeClr val="bg1"/>
+            </a:gs>
+            <a:gs pos="100000">
+              <a:schemeClr val="accent1">
+                <a:lumMod val="20000"/>
+                <a:lumOff val="80000"/>
+              </a:schemeClr>
+            </a:gs>
+          </a:gsLst>
+          <a:lin ang="5400000" scaled="1"/>
+          <a:tileRect/>
+        </a:gradFill>
         <a:effectLst/>
       </p:bgPr>
     </p:bg>
@@ -5002,14 +6779,14 @@
       </p:grpSpPr>
       <p:sp>
         <p:nvSpPr>
-          <p:cNvPr id="4" name="Rectangle 3"/>
+          <p:cNvPr id="3" name="Rectangle 2"/>
           <p:cNvSpPr/>
           <p:nvPr/>
         </p:nvSpPr>
         <p:spPr>
           <a:xfrm>
-            <a:off x="92765" y="104310"/>
-            <a:ext cx="11859904" cy="769441"/>
+            <a:off x="86536" y="255756"/>
+            <a:ext cx="11780804" cy="6495111"/>
           </a:xfrm>
           <a:prstGeom prst="rect">
             <a:avLst/>
@@ -5021,209 +6798,333 @@
           </a:bodyPr>
           <a:lstStyle/>
           <a:p>
-            <a:pPr algn="r" rtl="1">
+            <a:pPr lvl="0" algn="r" rtl="1">
+              <a:lnSpc>
+                <a:spcPct val="115000"/>
+              </a:lnSpc>
               <a:spcAft>
-                <a:spcPts val="1000"/>
+                <a:spcPts val="800"/>
               </a:spcAft>
+              <a:buClr>
+                <a:srgbClr val="FF0000"/>
+              </a:buClr>
+              <a:buSzPts val="1600"/>
+              <a:tabLst>
+                <a:tab pos="561340" algn="l"/>
+              </a:tabLst>
             </a:pPr>
             <a:r>
-              <a:rPr lang="ar-DZ" sz="4400" b="1" u="sng" dirty="0" smtClean="0">
+              <a:rPr lang="ar-DZ" sz="3200" b="1" u="sng" dirty="0" smtClean="0">
                 <a:solidFill>
                   <a:srgbClr val="FF0000"/>
                 </a:solidFill>
-                <a:latin typeface="Calibri" panose="020F0502020204030204" pitchFamily="34" charset="0"/>
-                <a:ea typeface="Times New Roman" panose="02020603050405020304" pitchFamily="18" charset="0"/>
-                <a:cs typeface="Times New Roman" panose="02020603050405020304" pitchFamily="18" charset="0"/>
-              </a:rPr>
-              <a:t>تدريب :</a:t>
-            </a:r>
-          </a:p>
-        </p:txBody>
-      </p:sp>
-      <mc:AlternateContent xmlns:mc="http://schemas.openxmlformats.org/markup-compatibility/2006">
-        <mc:Choice xmlns:a14="http://schemas.microsoft.com/office/drawing/2010/main" Requires="a14">
-          <p:sp>
-            <p:nvSpPr>
-              <p:cNvPr id="3" name="Rectangle 2"/>
-              <p:cNvSpPr/>
-              <p:nvPr/>
-            </p:nvSpPr>
-            <p:spPr>
-              <a:xfrm>
-                <a:off x="622852" y="993020"/>
-                <a:ext cx="11329817" cy="3645742"/>
-              </a:xfrm>
-              <a:prstGeom prst="rect">
-                <a:avLst/>
-              </a:prstGeom>
-            </p:spPr>
-            <p:txBody>
-              <a:bodyPr wrap="square">
-                <a:spAutoFit/>
-              </a:bodyPr>
-              <a:lstStyle/>
-              <a:p>
-                <a:pPr algn="r" rtl="1"/>
-                <a:r>
-                  <a:rPr lang="ar-DZ" sz="3600" dirty="0"/>
-                  <a:t>لنحاول كتابة ما يلي في برنامج </a:t>
-                </a:r>
-                <a:r>
-                  <a:rPr lang="fr-FR" sz="3600" dirty="0"/>
-                  <a:t>Word</a:t>
-                </a:r>
-                <a:r>
-                  <a:rPr lang="ar-DZ" sz="3600" dirty="0"/>
-                  <a:t> </a:t>
-                </a:r>
-                <a:r>
-                  <a:rPr lang="ar-DZ" sz="3600" dirty="0" smtClean="0"/>
-                  <a:t>:</a:t>
-                </a:r>
-              </a:p>
-              <a:p>
-                <a:pPr algn="r" rtl="1"/>
-                <a:endParaRPr lang="fr-FR" sz="3600" dirty="0"/>
-              </a:p>
-              <a:p>
-                <a:pPr marL="571500" indent="-571500" algn="r" rtl="1">
-                  <a:buFont typeface="Wingdings" panose="05000000000000000000" pitchFamily="2" charset="2"/>
-                  <a:buChar char="ü"/>
-                </a:pPr>
-                <a:r>
-                  <a:rPr lang="fr-FR" sz="3600" dirty="0"/>
-                  <a:t>1 $ = 140 DA</a:t>
-                </a:r>
-              </a:p>
-              <a:p>
-                <a:pPr marL="571500" lvl="0" indent="-571500" algn="r" rtl="1">
-                  <a:buFont typeface="Wingdings" panose="05000000000000000000" pitchFamily="2" charset="2"/>
-                  <a:buChar char="ü"/>
-                </a:pPr>
-                <a:r>
-                  <a:rPr lang="fr-FR" sz="3600" dirty="0"/>
-                  <a:t>100 = 50 + 50</a:t>
-                </a:r>
-              </a:p>
-              <a:p>
-                <a:pPr marL="571500" lvl="0" indent="-571500" algn="r" rtl="1">
-                  <a:buFont typeface="Wingdings" panose="05000000000000000000" pitchFamily="2" charset="2"/>
-                  <a:buChar char="ü"/>
-                </a:pPr>
-                <a14:m>
-                  <m:oMath xmlns:m="http://schemas.openxmlformats.org/officeDocument/2006/math">
-                    <m:r>
-                      <a:rPr lang="fr-FR" sz="3600" i="1"/>
-                      <m:t>20</m:t>
-                    </m:r>
-                    <m:r>
-                      <a:rPr lang="fr-FR" sz="3600" i="1"/>
-                      <m:t>&lt;</m:t>
-                    </m:r>
-                    <m:r>
-                      <a:rPr lang="fr-FR" sz="3600" i="1"/>
-                      <m:t>30</m:t>
-                    </m:r>
-                    <m:r>
-                      <a:rPr lang="fr-FR" sz="3600" i="1"/>
-                      <m:t>&lt;</m:t>
-                    </m:r>
-                    <m:r>
-                      <a:rPr lang="fr-FR" sz="3600" i="1"/>
-                      <m:t>40</m:t>
-                    </m:r>
-                  </m:oMath>
-                </a14:m>
-                <a:endParaRPr lang="fr-FR" sz="3600" dirty="0"/>
-              </a:p>
-              <a:p>
-                <a:pPr marL="571500" indent="-571500" algn="r" rtl="1">
-                  <a:buFont typeface="Wingdings" panose="05000000000000000000" pitchFamily="2" charset="2"/>
-                  <a:buChar char="ü"/>
-                </a:pPr>
-                <a:r>
-                  <a:rPr lang="fr-FR" sz="3600" dirty="0"/>
-                  <a:t>  </a:t>
-                </a:r>
-                <a14:m>
-                  <m:oMath xmlns:m="http://schemas.openxmlformats.org/officeDocument/2006/math">
-                    <m:f>
-                      <m:fPr>
-                        <m:ctrlPr>
-                          <a:rPr lang="fr-FR" sz="3600" i="1"/>
-                        </m:ctrlPr>
-                      </m:fPr>
-                      <m:num>
-                        <m:r>
-                          <a:rPr lang="fr-FR" sz="3600" i="1"/>
-                          <m:t>100</m:t>
-                        </m:r>
-                      </m:num>
-                      <m:den>
-                        <m:r>
-                          <a:rPr lang="fr-FR" sz="3600" i="1"/>
-                          <m:t>2</m:t>
-                        </m:r>
-                      </m:den>
-                    </m:f>
-                    <m:r>
-                      <a:rPr lang="fr-FR" sz="3600" i="1"/>
-                      <m:t>=</m:t>
-                    </m:r>
-                    <m:r>
-                      <a:rPr lang="fr-FR" sz="3600" i="1"/>
-                      <m:t>50</m:t>
-                    </m:r>
-                  </m:oMath>
-                </a14:m>
-                <a:endParaRPr lang="ar-DZ" sz="3600" dirty="0"/>
-              </a:p>
-            </p:txBody>
-          </p:sp>
-        </mc:Choice>
-        <mc:Fallback>
-          <p:sp>
-            <p:nvSpPr>
-              <p:cNvPr id="3" name="Rectangle 2"/>
-              <p:cNvSpPr>
-                <a:spLocks noRot="1" noChangeAspect="1" noMove="1" noResize="1" noEditPoints="1" noAdjustHandles="1" noChangeArrowheads="1" noChangeShapeType="1" noTextEdit="1"/>
-              </p:cNvSpPr>
-              <p:nvPr/>
-            </p:nvSpPr>
-            <p:spPr>
-              <a:xfrm>
-                <a:off x="622852" y="993020"/>
-                <a:ext cx="11329817" cy="3645742"/>
-              </a:xfrm>
-              <a:prstGeom prst="rect">
-                <a:avLst/>
-              </a:prstGeom>
-              <a:blipFill rotWithShape="0">
-                <a:blip r:embed="rId2"/>
-                <a:stretch>
-                  <a:fillRect t="-3010" r="-1614" b="-1171"/>
-                </a:stretch>
-              </a:blipFill>
-            </p:spPr>
-            <p:txBody>
-              <a:bodyPr/>
-              <a:lstStyle/>
-              <a:p>
-                <a:r>
-                  <a:rPr lang="fr-FR">
-                    <a:noFill/>
-                  </a:rPr>
-                  <a:t> </a:t>
-                </a:r>
-              </a:p>
-            </p:txBody>
-          </p:sp>
-        </mc:Fallback>
-      </mc:AlternateContent>
+              </a:rPr>
+              <a:t>3- واجهة</a:t>
+            </a:r>
+            <a:r>
+              <a:rPr lang="ar-SA" sz="3200" b="1" u="sng" dirty="0" smtClean="0">
+                <a:solidFill>
+                  <a:srgbClr val="FF0000"/>
+                </a:solidFill>
+              </a:rPr>
+              <a:t> </a:t>
+            </a:r>
+            <a:r>
+              <a:rPr lang="ar-SA" sz="3200" b="1" u="sng" dirty="0">
+                <a:solidFill>
+                  <a:srgbClr val="FF0000"/>
+                </a:solidFill>
+              </a:rPr>
+              <a:t>برنامج </a:t>
+            </a:r>
+            <a:r>
+              <a:rPr lang="ar-SA" sz="3200" b="1" u="sng" dirty="0" err="1" smtClean="0">
+                <a:solidFill>
+                  <a:srgbClr val="FF0000"/>
+                </a:solidFill>
+              </a:rPr>
+              <a:t>سكراش</a:t>
+            </a:r>
+            <a:r>
+              <a:rPr lang="ar-SA" sz="3200" b="1" u="sng" dirty="0" smtClean="0">
+                <a:solidFill>
+                  <a:srgbClr val="FF0000"/>
+                </a:solidFill>
+              </a:rPr>
+              <a:t> </a:t>
+            </a:r>
+            <a:r>
+              <a:rPr lang="ar-DZ" sz="3200" b="1" u="sng" dirty="0" smtClean="0">
+                <a:solidFill>
+                  <a:srgbClr val="FF0000"/>
+                </a:solidFill>
+              </a:rPr>
+              <a:t>:</a:t>
+            </a:r>
+            <a:endParaRPr lang="fr-FR" sz="3200" b="1" u="sng" dirty="0" smtClean="0">
+              <a:solidFill>
+                <a:srgbClr val="FF0000"/>
+              </a:solidFill>
+            </a:endParaRPr>
+          </a:p>
+          <a:p>
+            <a:pPr lvl="0" algn="r" rtl="1">
+              <a:lnSpc>
+                <a:spcPct val="115000"/>
+              </a:lnSpc>
+              <a:spcAft>
+                <a:spcPts val="800"/>
+              </a:spcAft>
+              <a:buClr>
+                <a:srgbClr val="FF0000"/>
+              </a:buClr>
+              <a:buSzPts val="1600"/>
+              <a:tabLst>
+                <a:tab pos="561340" algn="l"/>
+              </a:tabLst>
+            </a:pPr>
+            <a:endParaRPr lang="fr-FR" sz="3200" b="1" u="sng" dirty="0">
+              <a:solidFill>
+                <a:srgbClr val="FF0000"/>
+              </a:solidFill>
+              <a:latin typeface="Calibri" panose="020F0502020204030204" pitchFamily="34" charset="0"/>
+              <a:cs typeface="Arial" panose="020B0604020202020204" pitchFamily="34" charset="0"/>
+            </a:endParaRPr>
+          </a:p>
+          <a:p>
+            <a:pPr lvl="0" algn="r" rtl="1">
+              <a:lnSpc>
+                <a:spcPct val="115000"/>
+              </a:lnSpc>
+              <a:spcAft>
+                <a:spcPts val="800"/>
+              </a:spcAft>
+              <a:buClr>
+                <a:srgbClr val="FF0000"/>
+              </a:buClr>
+              <a:buSzPts val="1600"/>
+              <a:tabLst>
+                <a:tab pos="561340" algn="l"/>
+              </a:tabLst>
+            </a:pPr>
+            <a:endParaRPr lang="fr-FR" sz="3200" b="1" u="sng" dirty="0" smtClean="0">
+              <a:solidFill>
+                <a:srgbClr val="FF0000"/>
+              </a:solidFill>
+              <a:latin typeface="Calibri" panose="020F0502020204030204" pitchFamily="34" charset="0"/>
+              <a:cs typeface="Arial" panose="020B0604020202020204" pitchFamily="34" charset="0"/>
+            </a:endParaRPr>
+          </a:p>
+          <a:p>
+            <a:pPr lvl="0" algn="r" rtl="1">
+              <a:lnSpc>
+                <a:spcPct val="115000"/>
+              </a:lnSpc>
+              <a:spcAft>
+                <a:spcPts val="800"/>
+              </a:spcAft>
+              <a:buClr>
+                <a:srgbClr val="FF0000"/>
+              </a:buClr>
+              <a:buSzPts val="1600"/>
+              <a:tabLst>
+                <a:tab pos="561340" algn="l"/>
+              </a:tabLst>
+            </a:pPr>
+            <a:endParaRPr lang="fr-FR" sz="2000" b="1" dirty="0" smtClean="0">
+              <a:solidFill>
+                <a:srgbClr val="FF0000"/>
+              </a:solidFill>
+              <a:latin typeface="Calibri" panose="020F0502020204030204" pitchFamily="34" charset="0"/>
+              <a:cs typeface="Arial" panose="020B0604020202020204" pitchFamily="34" charset="0"/>
+            </a:endParaRPr>
+          </a:p>
+          <a:p>
+            <a:pPr algn="r" rtl="1"/>
+            <a:r>
+              <a:rPr lang="ar-DZ" sz="3200" b="1" u="sng" dirty="0">
+                <a:solidFill>
+                  <a:srgbClr val="00B050"/>
+                </a:solidFill>
+              </a:rPr>
+              <a:t>1. شريط القوائم </a:t>
+            </a:r>
+            <a:r>
+              <a:rPr lang="ar-DZ" sz="3200" b="1" u="sng" dirty="0" smtClean="0">
+                <a:solidFill>
+                  <a:srgbClr val="00B050"/>
+                </a:solidFill>
+              </a:rPr>
+              <a:t>:</a:t>
+            </a:r>
+            <a:r>
+              <a:rPr lang="fr-FR" sz="3200" b="1" dirty="0" smtClean="0">
+                <a:solidFill>
+                  <a:srgbClr val="00B050"/>
+                </a:solidFill>
+              </a:rPr>
+              <a:t> </a:t>
+            </a:r>
+            <a:r>
+              <a:rPr lang="ar-DZ" sz="3200" dirty="0" smtClean="0"/>
+              <a:t>نجد </a:t>
+            </a:r>
+            <a:r>
+              <a:rPr lang="ar-DZ" sz="3200" dirty="0"/>
+              <a:t>فيه مجموعة القوائم (ملف، تحرير ...)، وعنوان المشروع الحالي </a:t>
+            </a:r>
+          </a:p>
+          <a:p>
+            <a:pPr algn="r" rtl="1"/>
+            <a:r>
+              <a:rPr lang="ar-DZ" sz="3200" b="1" u="sng" dirty="0">
+                <a:solidFill>
+                  <a:srgbClr val="00B050"/>
+                </a:solidFill>
+              </a:rPr>
+              <a:t>2. منطقة اللبنات :</a:t>
+            </a:r>
+            <a:r>
+              <a:rPr lang="ar-DZ" sz="3200" b="1" dirty="0">
+                <a:solidFill>
+                  <a:srgbClr val="00B050"/>
+                </a:solidFill>
+              </a:rPr>
+              <a:t> </a:t>
+            </a:r>
+            <a:r>
+              <a:rPr lang="ar-DZ" sz="3200" dirty="0"/>
+              <a:t>تحتوي على مجموعة من التعليمات (الحركة، الهيئة، الصوت ...)، كل منها يميزها لون معين، </a:t>
+            </a:r>
+          </a:p>
+          <a:p>
+            <a:pPr algn="r" rtl="1"/>
+            <a:r>
+              <a:rPr lang="ar-DZ" sz="3200" dirty="0"/>
+              <a:t>بحيث كل تعليمة تحتوي على مجموعة من اللبنات (الأوامر) </a:t>
+            </a:r>
+          </a:p>
+          <a:p>
+            <a:pPr algn="r" rtl="1"/>
+            <a:r>
+              <a:rPr lang="ar-DZ" sz="3200" b="1" u="sng" dirty="0">
+                <a:solidFill>
+                  <a:srgbClr val="00B050"/>
+                </a:solidFill>
+              </a:rPr>
+              <a:t>3. منطقة التحكم :</a:t>
+            </a:r>
+            <a:r>
+              <a:rPr lang="ar-DZ" sz="3200" b="1" dirty="0">
+                <a:solidFill>
+                  <a:srgbClr val="00B050"/>
+                </a:solidFill>
+              </a:rPr>
+              <a:t> </a:t>
+            </a:r>
+            <a:r>
+              <a:rPr lang="ar-DZ" sz="3200" dirty="0"/>
+              <a:t>تتم في هذه المنطقة البرمجة، حيث يتم التحكم في كيفية برمجة الكائن </a:t>
+            </a:r>
+          </a:p>
+          <a:p>
+            <a:pPr algn="r" rtl="1"/>
+            <a:r>
+              <a:rPr lang="ar-DZ" sz="3200" b="1" u="sng" dirty="0">
+                <a:solidFill>
+                  <a:srgbClr val="00B050"/>
+                </a:solidFill>
+              </a:rPr>
+              <a:t>4. منطقة المنصة :</a:t>
+            </a:r>
+            <a:r>
+              <a:rPr lang="ar-DZ" sz="3200" b="1" dirty="0">
+                <a:solidFill>
+                  <a:srgbClr val="00B050"/>
+                </a:solidFill>
+              </a:rPr>
+              <a:t> </a:t>
+            </a:r>
+            <a:r>
+              <a:rPr lang="ar-DZ" sz="3200" dirty="0"/>
+              <a:t>و هي المكان الذي يتم فيه عرض نتيجة العمل. </a:t>
+            </a:r>
+          </a:p>
+          <a:p>
+            <a:pPr algn="r" rtl="1"/>
+            <a:r>
+              <a:rPr lang="ar-DZ" sz="3200" b="1" u="sng" dirty="0">
+                <a:solidFill>
+                  <a:srgbClr val="00B050"/>
+                </a:solidFill>
+              </a:rPr>
+              <a:t>5. منطقة الكائنات :</a:t>
+            </a:r>
+            <a:r>
+              <a:rPr lang="ar-DZ" sz="3200" b="1" dirty="0">
+                <a:solidFill>
+                  <a:srgbClr val="00B050"/>
+                </a:solidFill>
+              </a:rPr>
+              <a:t> </a:t>
+            </a:r>
+            <a:r>
+              <a:rPr lang="ar-DZ" sz="3200" dirty="0"/>
+              <a:t>تظهر فيها كائنات المشروع الحالي وبعض المعلومات على الكائن (</a:t>
+            </a:r>
+            <a:r>
+              <a:rPr lang="ar-DZ" sz="3200" dirty="0" err="1"/>
+              <a:t>الإسم</a:t>
+            </a:r>
+            <a:r>
+              <a:rPr lang="ar-DZ" sz="3200" dirty="0"/>
+              <a:t>، الحجم، </a:t>
+            </a:r>
+            <a:r>
+              <a:rPr lang="ar-DZ" sz="3200" dirty="0" err="1"/>
+              <a:t>الإتجاه</a:t>
+            </a:r>
+            <a:r>
+              <a:rPr lang="ar-DZ" sz="3200" dirty="0"/>
+              <a:t> ...) </a:t>
+            </a:r>
+          </a:p>
+        </p:txBody>
+      </p:sp>
+      <p:pic>
+        <p:nvPicPr>
+          <p:cNvPr id="5" name="Image 4"/>
+          <p:cNvPicPr>
+            <a:picLocks noChangeAspect="1"/>
+          </p:cNvPicPr>
+          <p:nvPr/>
+        </p:nvPicPr>
+        <p:blipFill>
+          <a:blip r:embed="rId2" cstate="print">
+            <a:extLst>
+              <a:ext uri="{28A0092B-C50C-407E-A947-70E740481C1C}">
+                <a14:useLocalDpi xmlns:a14="http://schemas.microsoft.com/office/drawing/2010/main" val="0"/>
+              </a:ext>
+            </a:extLst>
+          </a:blip>
+          <a:stretch>
+            <a:fillRect/>
+          </a:stretch>
+        </p:blipFill>
+        <p:spPr>
+          <a:xfrm>
+            <a:off x="3771498" y="396135"/>
+            <a:ext cx="3848502" cy="2082022"/>
+          </a:xfrm>
+          <a:prstGeom prst="rect">
+            <a:avLst/>
+          </a:prstGeom>
+        </p:spPr>
+      </p:pic>
     </p:spTree>
     <p:extLst>
       <p:ext uri="{BB962C8B-B14F-4D97-AF65-F5344CB8AC3E}">
-        <p14:creationId xmlns:p14="http://schemas.microsoft.com/office/powerpoint/2010/main" val="1483634635"/>
+        <p14:creationId xmlns:p14="http://schemas.microsoft.com/office/powerpoint/2010/main" val="4283954959"/>
       </p:ext>
     </p:extLst>
   </p:cSld>

--- a/2 am/بناء المشاريع 2/تقديم سكراتش 1/cours 12/عرض الدرس.pptx
+++ b/2 am/بناء المشاريع 2/تقديم سكراتش 1/cours 12/عرض الدرس.pptx
@@ -206,7 +206,7 @@
           <a:p>
             <a:fld id="{04809ED0-CAD5-44E1-91E8-3616676F7223}" type="datetimeFigureOut">
               <a:rPr lang="fr-FR" smtClean="0"/>
-              <a:t>11/04/2025</a:t>
+              <a:t>20/04/2025</a:t>
             </a:fld>
             <a:endParaRPr lang="fr-FR"/>
           </a:p>
@@ -1193,7 +1193,7 @@
           <a:p>
             <a:fld id="{16B4F739-B7D4-4EFD-BF14-44542778AB9F}" type="datetimeFigureOut">
               <a:rPr lang="fr-FR" smtClean="0"/>
-              <a:t>11/04/2025</a:t>
+              <a:t>20/04/2025</a:t>
             </a:fld>
             <a:endParaRPr lang="fr-FR"/>
           </a:p>
@@ -1363,7 +1363,7 @@
           <a:p>
             <a:fld id="{16B4F739-B7D4-4EFD-BF14-44542778AB9F}" type="datetimeFigureOut">
               <a:rPr lang="fr-FR" smtClean="0"/>
-              <a:t>11/04/2025</a:t>
+              <a:t>20/04/2025</a:t>
             </a:fld>
             <a:endParaRPr lang="fr-FR"/>
           </a:p>
@@ -1543,7 +1543,7 @@
           <a:p>
             <a:fld id="{16B4F739-B7D4-4EFD-BF14-44542778AB9F}" type="datetimeFigureOut">
               <a:rPr lang="fr-FR" smtClean="0"/>
-              <a:t>11/04/2025</a:t>
+              <a:t>20/04/2025</a:t>
             </a:fld>
             <a:endParaRPr lang="fr-FR"/>
           </a:p>
@@ -1713,7 +1713,7 @@
           <a:p>
             <a:fld id="{16B4F739-B7D4-4EFD-BF14-44542778AB9F}" type="datetimeFigureOut">
               <a:rPr lang="fr-FR" smtClean="0"/>
-              <a:t>11/04/2025</a:t>
+              <a:t>20/04/2025</a:t>
             </a:fld>
             <a:endParaRPr lang="fr-FR"/>
           </a:p>
@@ -1959,7 +1959,7 @@
           <a:p>
             <a:fld id="{16B4F739-B7D4-4EFD-BF14-44542778AB9F}" type="datetimeFigureOut">
               <a:rPr lang="fr-FR" smtClean="0"/>
-              <a:t>11/04/2025</a:t>
+              <a:t>20/04/2025</a:t>
             </a:fld>
             <a:endParaRPr lang="fr-FR"/>
           </a:p>
@@ -2191,7 +2191,7 @@
           <a:p>
             <a:fld id="{16B4F739-B7D4-4EFD-BF14-44542778AB9F}" type="datetimeFigureOut">
               <a:rPr lang="fr-FR" smtClean="0"/>
-              <a:t>11/04/2025</a:t>
+              <a:t>20/04/2025</a:t>
             </a:fld>
             <a:endParaRPr lang="fr-FR"/>
           </a:p>
@@ -2558,7 +2558,7 @@
           <a:p>
             <a:fld id="{16B4F739-B7D4-4EFD-BF14-44542778AB9F}" type="datetimeFigureOut">
               <a:rPr lang="fr-FR" smtClean="0"/>
-              <a:t>11/04/2025</a:t>
+              <a:t>20/04/2025</a:t>
             </a:fld>
             <a:endParaRPr lang="fr-FR"/>
           </a:p>
@@ -2676,7 +2676,7 @@
           <a:p>
             <a:fld id="{16B4F739-B7D4-4EFD-BF14-44542778AB9F}" type="datetimeFigureOut">
               <a:rPr lang="fr-FR" smtClean="0"/>
-              <a:t>11/04/2025</a:t>
+              <a:t>20/04/2025</a:t>
             </a:fld>
             <a:endParaRPr lang="fr-FR"/>
           </a:p>
@@ -2771,7 +2771,7 @@
           <a:p>
             <a:fld id="{16B4F739-B7D4-4EFD-BF14-44542778AB9F}" type="datetimeFigureOut">
               <a:rPr lang="fr-FR" smtClean="0"/>
-              <a:t>11/04/2025</a:t>
+              <a:t>20/04/2025</a:t>
             </a:fld>
             <a:endParaRPr lang="fr-FR"/>
           </a:p>
@@ -3048,7 +3048,7 @@
           <a:p>
             <a:fld id="{16B4F739-B7D4-4EFD-BF14-44542778AB9F}" type="datetimeFigureOut">
               <a:rPr lang="fr-FR" smtClean="0"/>
-              <a:t>11/04/2025</a:t>
+              <a:t>20/04/2025</a:t>
             </a:fld>
             <a:endParaRPr lang="fr-FR"/>
           </a:p>
@@ -3301,7 +3301,7 @@
           <a:p>
             <a:fld id="{16B4F739-B7D4-4EFD-BF14-44542778AB9F}" type="datetimeFigureOut">
               <a:rPr lang="fr-FR" smtClean="0"/>
-              <a:t>11/04/2025</a:t>
+              <a:t>20/04/2025</a:t>
             </a:fld>
             <a:endParaRPr lang="fr-FR"/>
           </a:p>
@@ -3544,7 +3544,7 @@
           <a:p>
             <a:fld id="{16B4F739-B7D4-4EFD-BF14-44542778AB9F}" type="datetimeFigureOut">
               <a:rPr lang="fr-FR" smtClean="0"/>
-              <a:t>11/04/2025</a:t>
+              <a:t>20/04/2025</a:t>
             </a:fld>
             <a:endParaRPr lang="fr-FR"/>
           </a:p>
@@ -4037,7 +4037,7 @@
         <p:spPr>
           <a:xfrm>
             <a:off x="463827" y="1111068"/>
-            <a:ext cx="11565784" cy="3046988"/>
+            <a:ext cx="11565784" cy="2062103"/>
           </a:xfrm>
           <a:prstGeom prst="rect">
             <a:avLst/>
@@ -4068,23 +4068,6 @@
               <a:t>حاليا أصبح الحلم حقيقية و صار بإمكاننا ترجمة هذه الأمنيات بواسطة الحاسوب، وذلك باستخدام برنامج خاص بإنشاء الألعاب و الرسوم المتحركة. </a:t>
             </a:r>
             <a:endParaRPr lang="fr-FR" sz="3200" dirty="0" smtClean="0"/>
-          </a:p>
-          <a:p>
-            <a:pPr marL="457200" indent="-457200" algn="r" rtl="1">
-              <a:buFont typeface="Wingdings" panose="05000000000000000000" pitchFamily="2" charset="2"/>
-              <a:buChar char="Ø"/>
-            </a:pPr>
-            <a:endParaRPr lang="ar-DZ" sz="3200" dirty="0"/>
-          </a:p>
-          <a:p>
-            <a:pPr marL="457200" indent="-457200" algn="r" rtl="1">
-              <a:buFont typeface="Wingdings" panose="05000000000000000000" pitchFamily="2" charset="2"/>
-              <a:buChar char="Ø"/>
-            </a:pPr>
-            <a:r>
-              <a:rPr lang="ar-DZ" sz="3200" dirty="0"/>
-              <a:t>عرض مقطعي فيديو بعنوان "مقدمة في البرمجة" و "ما هي لغات البرمجة ؟" </a:t>
-            </a:r>
           </a:p>
         </p:txBody>
       </p:sp>
@@ -4441,7 +4424,7 @@
           <p:nvPr/>
         </p:nvPicPr>
         <p:blipFill>
-          <a:blip r:embed="rId3">
+          <a:blip r:embed="rId2">
             <a:extLst>
               <a:ext uri="{28A0092B-C50C-407E-A947-70E740481C1C}">
                 <a14:useLocalDpi xmlns:a14="http://schemas.microsoft.com/office/drawing/2010/main" val="0"/>
@@ -4471,7 +4454,7 @@
           <p:nvPr/>
         </p:nvPicPr>
         <p:blipFill>
-          <a:blip r:embed="rId4">
+          <a:blip r:embed="rId3">
             <a:extLst>
               <a:ext uri="{28A0092B-C50C-407E-A947-70E740481C1C}">
                 <a14:useLocalDpi xmlns:a14="http://schemas.microsoft.com/office/drawing/2010/main" val="0"/>
@@ -5076,18 +5059,7 @@
                 <a:ea typeface="Times New Roman" panose="02020603050405020304" pitchFamily="18" charset="0"/>
                 <a:cs typeface="Times New Roman" panose="02020603050405020304" pitchFamily="18" charset="0"/>
               </a:rPr>
-              <a:t>نشاط </a:t>
-            </a:r>
-            <a:r>
-              <a:rPr lang="ar-DZ" sz="4000" b="1" u="sng" dirty="0" smtClean="0">
-                <a:solidFill>
-                  <a:srgbClr val="FF0000"/>
-                </a:solidFill>
-                <a:latin typeface="Calibri" panose="020F0502020204030204" pitchFamily="34" charset="0"/>
-                <a:ea typeface="Times New Roman" panose="02020603050405020304" pitchFamily="18" charset="0"/>
-                <a:cs typeface="Times New Roman" panose="02020603050405020304" pitchFamily="18" charset="0"/>
-              </a:rPr>
-              <a:t>01 :</a:t>
+              <a:t>نشاط 01 :</a:t>
             </a:r>
             <a:endParaRPr lang="fr-FR" sz="3200" b="1" dirty="0">
               <a:effectLst/>
@@ -5983,18 +5955,7 @@
                 <a:ea typeface="Times New Roman" panose="02020603050405020304" pitchFamily="18" charset="0"/>
                 <a:cs typeface="Times New Roman" panose="02020603050405020304" pitchFamily="18" charset="0"/>
               </a:rPr>
-              <a:t>نشاط </a:t>
-            </a:r>
-            <a:r>
-              <a:rPr lang="ar-DZ" sz="4000" b="1" u="sng" dirty="0" smtClean="0">
-                <a:solidFill>
-                  <a:srgbClr val="FF0000"/>
-                </a:solidFill>
-                <a:latin typeface="Calibri" panose="020F0502020204030204" pitchFamily="34" charset="0"/>
-                <a:ea typeface="Times New Roman" panose="02020603050405020304" pitchFamily="18" charset="0"/>
-                <a:cs typeface="Times New Roman" panose="02020603050405020304" pitchFamily="18" charset="0"/>
-              </a:rPr>
-              <a:t>02 :</a:t>
+              <a:t>نشاط 02 :</a:t>
             </a:r>
             <a:endParaRPr lang="fr-FR" sz="3200" b="1" dirty="0">
               <a:effectLst/>
@@ -6128,18 +6089,7 @@
                 <a:ea typeface="Times New Roman" panose="02020603050405020304" pitchFamily="18" charset="0"/>
                 <a:cs typeface="Times New Roman" panose="02020603050405020304" pitchFamily="18" charset="0"/>
               </a:rPr>
-              <a:t>نشاط </a:t>
-            </a:r>
-            <a:r>
-              <a:rPr lang="ar-DZ" sz="4000" b="1" u="sng" dirty="0" smtClean="0">
-                <a:solidFill>
-                  <a:srgbClr val="FF0000"/>
-                </a:solidFill>
-                <a:latin typeface="Calibri" panose="020F0502020204030204" pitchFamily="34" charset="0"/>
-                <a:ea typeface="Times New Roman" panose="02020603050405020304" pitchFamily="18" charset="0"/>
-                <a:cs typeface="Times New Roman" panose="02020603050405020304" pitchFamily="18" charset="0"/>
-              </a:rPr>
-              <a:t>03 :</a:t>
+              <a:t>نشاط 03 :</a:t>
             </a:r>
             <a:endParaRPr lang="fr-FR" sz="3200" b="1" dirty="0">
               <a:effectLst/>
@@ -6319,18 +6269,7 @@
                 <a:ea typeface="Times New Roman" panose="02020603050405020304" pitchFamily="18" charset="0"/>
                 <a:cs typeface="Times New Roman" panose="02020603050405020304" pitchFamily="18" charset="0"/>
               </a:rPr>
-              <a:t>نشاط </a:t>
-            </a:r>
-            <a:r>
-              <a:rPr lang="ar-DZ" sz="4000" b="1" u="sng" dirty="0" smtClean="0">
-                <a:solidFill>
-                  <a:srgbClr val="FF0000"/>
-                </a:solidFill>
-                <a:latin typeface="Calibri" panose="020F0502020204030204" pitchFamily="34" charset="0"/>
-                <a:ea typeface="Times New Roman" panose="02020603050405020304" pitchFamily="18" charset="0"/>
-                <a:cs typeface="Times New Roman" panose="02020603050405020304" pitchFamily="18" charset="0"/>
-              </a:rPr>
-              <a:t>03 :</a:t>
+              <a:t>نشاط 03 :</a:t>
             </a:r>
             <a:endParaRPr lang="fr-FR" sz="3200" b="1" dirty="0">
               <a:effectLst/>
@@ -6471,15 +6410,7 @@
                   <a:srgbClr val="FF0000"/>
                 </a:solidFill>
               </a:rPr>
-              <a:t>1- </a:t>
-            </a:r>
-            <a:r>
-              <a:rPr lang="ar-DZ" sz="3200" b="1" u="sng" dirty="0">
-                <a:solidFill>
-                  <a:srgbClr val="FF0000"/>
-                </a:solidFill>
-              </a:rPr>
-              <a:t>مفهوم</a:t>
+              <a:t>1- مفهوم</a:t>
             </a:r>
             <a:r>
               <a:rPr lang="ar-SA" sz="3200" b="1" u="sng" dirty="0">

--- a/2 am/بناء المشاريع 2/تقديم سكراتش 1/cours 12/عرض الدرس.pptx
+++ b/2 am/بناء المشاريع 2/تقديم سكراتش 1/cours 12/عرض الدرس.pptx
@@ -206,7 +206,7 @@
           <a:p>
             <a:fld id="{04809ED0-CAD5-44E1-91E8-3616676F7223}" type="datetimeFigureOut">
               <a:rPr lang="fr-FR" smtClean="0"/>
-              <a:t>20/04/2025</a:t>
+              <a:t>26/04/2025</a:t>
             </a:fld>
             <a:endParaRPr lang="fr-FR"/>
           </a:p>
@@ -1193,7 +1193,7 @@
           <a:p>
             <a:fld id="{16B4F739-B7D4-4EFD-BF14-44542778AB9F}" type="datetimeFigureOut">
               <a:rPr lang="fr-FR" smtClean="0"/>
-              <a:t>20/04/2025</a:t>
+              <a:t>26/04/2025</a:t>
             </a:fld>
             <a:endParaRPr lang="fr-FR"/>
           </a:p>
@@ -1363,7 +1363,7 @@
           <a:p>
             <a:fld id="{16B4F739-B7D4-4EFD-BF14-44542778AB9F}" type="datetimeFigureOut">
               <a:rPr lang="fr-FR" smtClean="0"/>
-              <a:t>20/04/2025</a:t>
+              <a:t>26/04/2025</a:t>
             </a:fld>
             <a:endParaRPr lang="fr-FR"/>
           </a:p>
@@ -1543,7 +1543,7 @@
           <a:p>
             <a:fld id="{16B4F739-B7D4-4EFD-BF14-44542778AB9F}" type="datetimeFigureOut">
               <a:rPr lang="fr-FR" smtClean="0"/>
-              <a:t>20/04/2025</a:t>
+              <a:t>26/04/2025</a:t>
             </a:fld>
             <a:endParaRPr lang="fr-FR"/>
           </a:p>
@@ -1713,7 +1713,7 @@
           <a:p>
             <a:fld id="{16B4F739-B7D4-4EFD-BF14-44542778AB9F}" type="datetimeFigureOut">
               <a:rPr lang="fr-FR" smtClean="0"/>
-              <a:t>20/04/2025</a:t>
+              <a:t>26/04/2025</a:t>
             </a:fld>
             <a:endParaRPr lang="fr-FR"/>
           </a:p>
@@ -1959,7 +1959,7 @@
           <a:p>
             <a:fld id="{16B4F739-B7D4-4EFD-BF14-44542778AB9F}" type="datetimeFigureOut">
               <a:rPr lang="fr-FR" smtClean="0"/>
-              <a:t>20/04/2025</a:t>
+              <a:t>26/04/2025</a:t>
             </a:fld>
             <a:endParaRPr lang="fr-FR"/>
           </a:p>
@@ -2191,7 +2191,7 @@
           <a:p>
             <a:fld id="{16B4F739-B7D4-4EFD-BF14-44542778AB9F}" type="datetimeFigureOut">
               <a:rPr lang="fr-FR" smtClean="0"/>
-              <a:t>20/04/2025</a:t>
+              <a:t>26/04/2025</a:t>
             </a:fld>
             <a:endParaRPr lang="fr-FR"/>
           </a:p>
@@ -2558,7 +2558,7 @@
           <a:p>
             <a:fld id="{16B4F739-B7D4-4EFD-BF14-44542778AB9F}" type="datetimeFigureOut">
               <a:rPr lang="fr-FR" smtClean="0"/>
-              <a:t>20/04/2025</a:t>
+              <a:t>26/04/2025</a:t>
             </a:fld>
             <a:endParaRPr lang="fr-FR"/>
           </a:p>
@@ -2676,7 +2676,7 @@
           <a:p>
             <a:fld id="{16B4F739-B7D4-4EFD-BF14-44542778AB9F}" type="datetimeFigureOut">
               <a:rPr lang="fr-FR" smtClean="0"/>
-              <a:t>20/04/2025</a:t>
+              <a:t>26/04/2025</a:t>
             </a:fld>
             <a:endParaRPr lang="fr-FR"/>
           </a:p>
@@ -2771,7 +2771,7 @@
           <a:p>
             <a:fld id="{16B4F739-B7D4-4EFD-BF14-44542778AB9F}" type="datetimeFigureOut">
               <a:rPr lang="fr-FR" smtClean="0"/>
-              <a:t>20/04/2025</a:t>
+              <a:t>26/04/2025</a:t>
             </a:fld>
             <a:endParaRPr lang="fr-FR"/>
           </a:p>
@@ -3048,7 +3048,7 @@
           <a:p>
             <a:fld id="{16B4F739-B7D4-4EFD-BF14-44542778AB9F}" type="datetimeFigureOut">
               <a:rPr lang="fr-FR" smtClean="0"/>
-              <a:t>20/04/2025</a:t>
+              <a:t>26/04/2025</a:t>
             </a:fld>
             <a:endParaRPr lang="fr-FR"/>
           </a:p>
@@ -3301,7 +3301,7 @@
           <a:p>
             <a:fld id="{16B4F739-B7D4-4EFD-BF14-44542778AB9F}" type="datetimeFigureOut">
               <a:rPr lang="fr-FR" smtClean="0"/>
-              <a:t>20/04/2025</a:t>
+              <a:t>26/04/2025</a:t>
             </a:fld>
             <a:endParaRPr lang="fr-FR"/>
           </a:p>
@@ -3544,7 +3544,7 @@
           <a:p>
             <a:fld id="{16B4F739-B7D4-4EFD-BF14-44542778AB9F}" type="datetimeFigureOut">
               <a:rPr lang="fr-FR" smtClean="0"/>
-              <a:t>20/04/2025</a:t>
+              <a:t>26/04/2025</a:t>
             </a:fld>
             <a:endParaRPr lang="fr-FR"/>
           </a:p>
@@ -4600,7 +4600,7 @@
         <p:spPr>
           <a:xfrm>
             <a:off x="437322" y="875204"/>
-            <a:ext cx="11565784" cy="5509200"/>
+            <a:ext cx="11565784" cy="5755422"/>
           </a:xfrm>
           <a:prstGeom prst="rect">
             <a:avLst/>
@@ -4618,15 +4618,20 @@
             </a:pPr>
             <a:r>
               <a:rPr lang="ar-DZ" sz="3200" u="sng" dirty="0" smtClean="0"/>
-              <a:t>ما معني البرمجة ؟</a:t>
-            </a:r>
-          </a:p>
-          <a:p>
-            <a:pPr algn="r" rtl="1"/>
+              <a:t>ما معني البرمجة </a:t>
+            </a:r>
+            <a:r>
+              <a:rPr lang="ar-DZ" sz="3200" u="sng" dirty="0" smtClean="0"/>
+              <a:t>؟</a:t>
+            </a:r>
             <a:endParaRPr lang="fr-FR" sz="3200" u="sng" dirty="0" smtClean="0"/>
           </a:p>
           <a:p>
-            <a:pPr algn="r" rtl="1"/>
+            <a:pPr algn="r" rtl="1">
+              <a:lnSpc>
+                <a:spcPct val="150000"/>
+              </a:lnSpc>
+            </a:pPr>
             <a:r>
               <a:rPr lang="ar-DZ" sz="3200" b="1" dirty="0"/>
               <a:t>البرمجة</a:t>
@@ -4644,32 +4649,61 @@
             </a:r>
             <a:r>
               <a:rPr lang="ar-DZ" sz="3200" dirty="0"/>
-              <a:t>مثلاً: لما تكتب برنامج يحسب مجموع عددين، فأنت تعطي الحاسوب خطوات دقيقة يقول فيها مثلاً:</a:t>
-            </a:r>
-          </a:p>
-          <a:p>
-            <a:pPr algn="r" rtl="1"/>
+              <a:t>مثلاً: لما تكتب برنامج يحسب مجموع عددين، فأنت تعطي الحاسوب خطوات </a:t>
+            </a:r>
+            <a:r>
+              <a:rPr lang="ar-DZ" sz="3200" dirty="0" smtClean="0"/>
+              <a:t>دقيقة</a:t>
+            </a:r>
+            <a:endParaRPr lang="fr-FR" sz="3200" dirty="0"/>
+          </a:p>
+          <a:p>
+            <a:pPr lvl="1" algn="r" rtl="1"/>
+            <a:r>
+              <a:rPr lang="ar-DZ" sz="3200" dirty="0" smtClean="0"/>
+              <a:t>يقول </a:t>
+            </a:r>
+            <a:r>
+              <a:rPr lang="ar-DZ" sz="3200" dirty="0"/>
+              <a:t>فيها </a:t>
+            </a:r>
+            <a:r>
+              <a:rPr lang="ar-DZ" sz="3200" dirty="0" smtClean="0"/>
+              <a:t>مثلاً</a:t>
+            </a:r>
+            <a:r>
+              <a:rPr lang="fr-FR" sz="3200" dirty="0" smtClean="0"/>
+              <a:t> </a:t>
+            </a:r>
+            <a:r>
+              <a:rPr lang="ar-DZ" sz="3200" dirty="0" smtClean="0"/>
+              <a:t>:</a:t>
+            </a:r>
+            <a:endParaRPr lang="ar-DZ" sz="3200" dirty="0"/>
+          </a:p>
+          <a:p>
+            <a:pPr lvl="1" algn="r" rtl="1"/>
             <a:r>
               <a:rPr lang="ar-DZ" sz="3200" dirty="0"/>
               <a:t>خذ الرقم الأول</a:t>
             </a:r>
           </a:p>
           <a:p>
-            <a:pPr algn="r" rtl="1"/>
+            <a:pPr lvl="1" algn="r" rtl="1"/>
             <a:r>
               <a:rPr lang="ar-DZ" sz="3200" dirty="0"/>
               <a:t>خذ الرقم الثاني</a:t>
             </a:r>
           </a:p>
           <a:p>
-            <a:pPr algn="r" rtl="1"/>
+            <a:pPr lvl="1" algn="r" rtl="1"/>
             <a:r>
               <a:rPr lang="ar-DZ" sz="3200" dirty="0"/>
               <a:t>اجمعهم</a:t>
             </a:r>
           </a:p>
           <a:p>
-            <a:pPr algn="r" rtl="1"/>
+            <a:pPr lvl="1" algn="r" rtl="1"/>
             <a:r>
               <a:rPr lang="ar-DZ" sz="3200" dirty="0"/>
               <a:t>أعطني </a:t>
@@ -4681,6 +4715,10 @@
           </a:p>
           <a:p>
             <a:pPr algn="r" rtl="1"/>
+            <a:endParaRPr lang="fr-FR" sz="3200" dirty="0" smtClean="0"/>
+          </a:p>
+          <a:p>
+            <a:pPr algn="r" rtl="1"/>
             <a:endParaRPr lang="ar-DZ" sz="3200" dirty="0"/>
           </a:p>
           <a:p>
@@ -4701,6 +4739,36 @@
           </a:p>
         </p:txBody>
       </p:sp>
+      <p:pic>
+        <p:nvPicPr>
+          <p:cNvPr id="2" name="Image 1"/>
+          <p:cNvPicPr>
+            <a:picLocks noChangeAspect="1"/>
+          </p:cNvPicPr>
+          <p:nvPr/>
+        </p:nvPicPr>
+        <p:blipFill>
+          <a:blip r:embed="rId3">
+            <a:extLst>
+              <a:ext uri="{28A0092B-C50C-407E-A947-70E740481C1C}">
+                <a14:useLocalDpi xmlns:a14="http://schemas.microsoft.com/office/drawing/2010/main" val="0"/>
+              </a:ext>
+            </a:extLst>
+          </a:blip>
+          <a:stretch>
+            <a:fillRect/>
+          </a:stretch>
+        </p:blipFill>
+        <p:spPr>
+          <a:xfrm>
+            <a:off x="2695635" y="2628706"/>
+            <a:ext cx="5376801" cy="3186658"/>
+          </a:xfrm>
+          <a:prstGeom prst="rect">
+            <a:avLst/>
+          </a:prstGeom>
+        </p:spPr>
+      </p:pic>
     </p:spTree>
     <p:extLst>
       <p:ext uri="{BB962C8B-B14F-4D97-AF65-F5344CB8AC3E}">
